--- a/Course Work/Презентация курсовой работы - Сороколат Анлрей.pptx
+++ b/Course Work/Презентация курсовой работы - Сороколат Анлрей.pptx
@@ -6,7 +6,7 @@
     <p:sldMasterId id="2147483661" r:id="rId2"/>
   </p:sldMasterIdLst>
   <p:notesMasterIdLst>
-    <p:notesMasterId r:id="rId27"/>
+    <p:notesMasterId r:id="rId29"/>
   </p:notesMasterIdLst>
   <p:sldIdLst>
     <p:sldId id="256" r:id="rId3"/>
@@ -32,7 +32,9 @@
     <p:sldId id="369" r:id="rId23"/>
     <p:sldId id="370" r:id="rId24"/>
     <p:sldId id="371" r:id="rId25"/>
-    <p:sldId id="307" r:id="rId26"/>
+    <p:sldId id="379" r:id="rId26"/>
+    <p:sldId id="380" r:id="rId27"/>
+    <p:sldId id="307" r:id="rId28"/>
   </p:sldIdLst>
   <p:sldSz cx="12192000" cy="6858000"/>
   <p:notesSz cx="6858000" cy="12192000"/>
@@ -162,7 +164,13 @@
             <p14:sldId id="368"/>
             <p14:sldId id="369"/>
             <p14:sldId id="370"/>
+          </p14:sldIdLst>
+        </p14:section>
+        <p14:section name="Раздел без заголовка" id="{8066A6D2-7B9F-4F43-B842-B17749BBF008}">
+          <p14:sldIdLst>
             <p14:sldId id="371"/>
+            <p14:sldId id="379"/>
+            <p14:sldId id="380"/>
             <p14:sldId id="307"/>
           </p14:sldIdLst>
         </p14:section>
@@ -268,7 +276,7 @@
           <a:p>
             <a:fld id="{B04DCA98-92C0-4F48-89D1-3FD303C7CE35}" type="datetimeFigureOut">
               <a:rPr lang="ru-RU" smtClean="0"/>
-              <a:t>19.08.2021</a:t>
+              <a:t>20.08.2021</a:t>
             </a:fld>
             <a:endParaRPr lang="ru-RU"/>
           </a:p>
@@ -600,7 +608,7 @@
           <a:p>
             <a:fld id="{7B5F47EF-21AF-41BD-AB82-5A4B797CA39E}" type="slidenum">
               <a:rPr lang="ru-RU" smtClean="0"/>
-              <a:t>24</a:t>
+              <a:t>26</a:t>
             </a:fld>
             <a:endParaRPr lang="ru-RU"/>
           </a:p>
@@ -757,7 +765,7 @@
             </a:pPr>
             <a:fld id="{F9A2CB3F-9E6C-4531-82DF-EF260906E9D5}" type="datetimeFigureOut">
               <a:rPr lang="ru-RU"/>
-              <a:t>19.08.2021</a:t>
+              <a:t>20.08.2021</a:t>
             </a:fld>
             <a:endParaRPr lang="ru-RU"/>
           </a:p>
@@ -946,7 +954,7 @@
             </a:pPr>
             <a:fld id="{F9A2CB3F-9E6C-4531-82DF-EF260906E9D5}" type="datetimeFigureOut">
               <a:rPr lang="ru-RU"/>
-              <a:t>19.08.2021</a:t>
+              <a:t>20.08.2021</a:t>
             </a:fld>
             <a:endParaRPr lang="ru-RU"/>
           </a:p>
@@ -1145,7 +1153,7 @@
             </a:pPr>
             <a:fld id="{F9A2CB3F-9E6C-4531-82DF-EF260906E9D5}" type="datetimeFigureOut">
               <a:rPr lang="ru-RU"/>
-              <a:t>19.08.2021</a:t>
+              <a:t>20.08.2021</a:t>
             </a:fld>
             <a:endParaRPr lang="ru-RU"/>
           </a:p>
@@ -1364,7 +1372,7 @@
             </a:pPr>
             <a:fld id="{1D8BD707-D9CF-40AE-B4C6-C98DA3205C09}" type="datetimeFigureOut">
               <a:rPr lang="en-US"/>
-              <a:t>8/19/2021</a:t>
+              <a:t>8/20/2021</a:t>
             </a:fld>
             <a:endParaRPr lang="en-US"/>
           </a:p>
@@ -1969,7 +1977,7 @@
             </a:pPr>
             <a:fld id="{1D8BD707-D9CF-40AE-B4C6-C98DA3205C09}" type="datetimeFigureOut">
               <a:rPr lang="en-US"/>
-              <a:t>8/19/2021</a:t>
+              <a:t>8/20/2021</a:t>
             </a:fld>
             <a:endParaRPr lang="en-US"/>
           </a:p>
@@ -2172,7 +2180,7 @@
             </a:pPr>
             <a:fld id="{1D8BD707-D9CF-40AE-B4C6-C98DA3205C09}" type="datetimeFigureOut">
               <a:rPr lang="en-US"/>
-              <a:t>8/19/2021</a:t>
+              <a:t>8/20/2021</a:t>
             </a:fld>
             <a:endParaRPr lang="en-US"/>
           </a:p>
@@ -2593,7 +2601,7 @@
             </a:pPr>
             <a:fld id="{1D8BD707-D9CF-40AE-B4C6-C98DA3205C09}" type="datetimeFigureOut">
               <a:rPr lang="en-US"/>
-              <a:t>8/19/2021</a:t>
+              <a:t>8/20/2021</a:t>
             </a:fld>
             <a:endParaRPr lang="en-US"/>
           </a:p>
@@ -2736,7 +2744,7 @@
             </a:pPr>
             <a:fld id="{1D8BD707-D9CF-40AE-B4C6-C98DA3205C09}" type="datetimeFigureOut">
               <a:rPr lang="en-US"/>
-              <a:t>8/19/2021</a:t>
+              <a:t>8/20/2021</a:t>
             </a:fld>
             <a:endParaRPr lang="en-US"/>
           </a:p>
@@ -2925,7 +2933,7 @@
             </a:pPr>
             <a:fld id="{F9A2CB3F-9E6C-4531-82DF-EF260906E9D5}" type="datetimeFigureOut">
               <a:rPr lang="ru-RU"/>
-              <a:t>19.08.2021</a:t>
+              <a:t>20.08.2021</a:t>
             </a:fld>
             <a:endParaRPr lang="ru-RU"/>
           </a:p>
@@ -3104,7 +3112,7 @@
             </a:pPr>
             <a:fld id="{1D8BD707-D9CF-40AE-B4C6-C98DA3205C09}" type="datetimeFigureOut">
               <a:rPr lang="en-US"/>
-              <a:t>8/19/2021</a:t>
+              <a:t>8/20/2021</a:t>
             </a:fld>
             <a:endParaRPr lang="en-US"/>
           </a:p>
@@ -3312,7 +3320,7 @@
             </a:pPr>
             <a:fld id="{1D8BD707-D9CF-40AE-B4C6-C98DA3205C09}" type="datetimeFigureOut">
               <a:rPr lang="en-US"/>
-              <a:t>8/19/2021</a:t>
+              <a:t>8/20/2021</a:t>
             </a:fld>
             <a:endParaRPr lang="en-US"/>
           </a:p>
@@ -3483,7 +3491,7 @@
             </a:pPr>
             <a:fld id="{1D8BD707-D9CF-40AE-B4C6-C98DA3205C09}" type="datetimeFigureOut">
               <a:rPr lang="en-US"/>
-              <a:t>8/19/2021</a:t>
+              <a:t>8/20/2021</a:t>
             </a:fld>
             <a:endParaRPr lang="en-US"/>
           </a:p>
@@ -3737,7 +3745,7 @@
             </a:pPr>
             <a:fld id="{1D8BD707-D9CF-40AE-B4C6-C98DA3205C09}" type="datetimeFigureOut">
               <a:rPr lang="en-US"/>
-              <a:t>8/19/2021</a:t>
+              <a:t>8/20/2021</a:t>
             </a:fld>
             <a:endParaRPr lang="en-US"/>
           </a:p>
@@ -3846,7 +3854,7 @@
             </a:pPr>
             <a:fld id="{1D8BD707-D9CF-40AE-B4C6-C98DA3205C09}" type="datetimeFigureOut">
               <a:rPr lang="en-US"/>
-              <a:t>8/19/2021</a:t>
+              <a:t>8/20/2021</a:t>
             </a:fld>
             <a:endParaRPr lang="en-US"/>
           </a:p>
@@ -4037,7 +4045,7 @@
             </a:pPr>
             <a:fld id="{1D8BD707-D9CF-40AE-B4C6-C98DA3205C09}" type="datetimeFigureOut">
               <a:rPr lang="en-US"/>
-              <a:t>8/19/2021</a:t>
+              <a:t>8/20/2021</a:t>
             </a:fld>
             <a:endParaRPr lang="en-US"/>
           </a:p>
@@ -4136,7 +4144,7 @@
             </a:pPr>
             <a:fld id="{1D8BD707-D9CF-40AE-B4C6-C98DA3205C09}" type="datetimeFigureOut">
               <a:rPr lang="en-US"/>
-              <a:t>8/19/2021</a:t>
+              <a:t>8/20/2021</a:t>
             </a:fld>
             <a:endParaRPr lang="en-US"/>
           </a:p>
@@ -4278,7 +4286,7 @@
             </a:pPr>
             <a:fld id="{1D8BD707-D9CF-40AE-B4C6-C98DA3205C09}" type="datetimeFigureOut">
               <a:rPr lang="en-US"/>
-              <a:t>8/19/2021</a:t>
+              <a:t>8/20/2021</a:t>
             </a:fld>
             <a:endParaRPr lang="en-US"/>
           </a:p>
@@ -4856,7 +4864,7 @@
             </a:pPr>
             <a:fld id="{F9A2CB3F-9E6C-4531-82DF-EF260906E9D5}" type="datetimeFigureOut">
               <a:rPr lang="ru-RU"/>
-              <a:t>19.08.2021</a:t>
+              <a:t>20.08.2021</a:t>
             </a:fld>
             <a:endParaRPr lang="ru-RU"/>
           </a:p>
@@ -5120,7 +5128,7 @@
             </a:pPr>
             <a:fld id="{F9A2CB3F-9E6C-4531-82DF-EF260906E9D5}" type="datetimeFigureOut">
               <a:rPr lang="ru-RU"/>
-              <a:t>19.08.2021</a:t>
+              <a:t>20.08.2021</a:t>
             </a:fld>
             <a:endParaRPr lang="ru-RU"/>
           </a:p>
@@ -5525,7 +5533,7 @@
             </a:pPr>
             <a:fld id="{F9A2CB3F-9E6C-4531-82DF-EF260906E9D5}" type="datetimeFigureOut">
               <a:rPr lang="ru-RU"/>
-              <a:t>19.08.2021</a:t>
+              <a:t>20.08.2021</a:t>
             </a:fld>
             <a:endParaRPr lang="ru-RU"/>
           </a:p>
@@ -5649,7 +5657,7 @@
             </a:pPr>
             <a:fld id="{F9A2CB3F-9E6C-4531-82DF-EF260906E9D5}" type="datetimeFigureOut">
               <a:rPr lang="ru-RU"/>
-              <a:t>19.08.2021</a:t>
+              <a:t>20.08.2021</a:t>
             </a:fld>
             <a:endParaRPr lang="ru-RU"/>
           </a:p>
@@ -5748,7 +5756,7 @@
             </a:pPr>
             <a:fld id="{F9A2CB3F-9E6C-4531-82DF-EF260906E9D5}" type="datetimeFigureOut">
               <a:rPr lang="ru-RU"/>
-              <a:t>19.08.2021</a:t>
+              <a:t>20.08.2021</a:t>
             </a:fld>
             <a:endParaRPr lang="ru-RU"/>
           </a:p>
@@ -6047,7 +6055,7 @@
             </a:pPr>
             <a:fld id="{F9A2CB3F-9E6C-4531-82DF-EF260906E9D5}" type="datetimeFigureOut">
               <a:rPr lang="ru-RU"/>
-              <a:t>19.08.2021</a:t>
+              <a:t>20.08.2021</a:t>
             </a:fld>
             <a:endParaRPr lang="ru-RU"/>
           </a:p>
@@ -6312,7 +6320,7 @@
             </a:pPr>
             <a:fld id="{F9A2CB3F-9E6C-4531-82DF-EF260906E9D5}" type="datetimeFigureOut">
               <a:rPr lang="ru-RU"/>
-              <a:t>19.08.2021</a:t>
+              <a:t>20.08.2021</a:t>
             </a:fld>
             <a:endParaRPr lang="ru-RU"/>
           </a:p>
@@ -6544,7 +6552,7 @@
             </a:pPr>
             <a:fld id="{F9A2CB3F-9E6C-4531-82DF-EF260906E9D5}" type="datetimeFigureOut">
               <a:rPr lang="ru-RU"/>
-              <a:t>19.08.2021</a:t>
+              <a:t>20.08.2021</a:t>
             </a:fld>
             <a:endParaRPr lang="ru-RU"/>
           </a:p>
@@ -7042,7 +7050,7 @@
             </a:pPr>
             <a:fld id="{1D8BD707-D9CF-40AE-B4C6-C98DA3205C09}" type="datetimeFigureOut">
               <a:rPr lang="en-US"/>
-              <a:t>8/19/2021</a:t>
+              <a:t>8/20/2021</a:t>
             </a:fld>
             <a:endParaRPr lang="en-US"/>
           </a:p>
@@ -7656,7 +7664,7 @@
           <p:cNvPr id="6" name="Рисунок 5">
             <a:extLst>
               <a:ext uri="{FF2B5EF4-FFF2-40B4-BE49-F238E27FC236}">
-                <a16:creationId xmlns:a16="http://schemas.microsoft.com/office/drawing/2014/main" xmlns="" id="{FBE6ED87-35B9-4D44-BD5E-D3A5BFABF05B}"/>
+                <a16:creationId xmlns="" xmlns:a16="http://schemas.microsoft.com/office/drawing/2014/main" id="{FBE6ED87-35B9-4D44-BD5E-D3A5BFABF05B}"/>
               </a:ext>
             </a:extLst>
           </p:cNvPr>
@@ -7685,7 +7693,7 @@
           <p:cNvPr id="7" name="TextBox 35">
             <a:extLst>
               <a:ext uri="{FF2B5EF4-FFF2-40B4-BE49-F238E27FC236}">
-                <a16:creationId xmlns:a16="http://schemas.microsoft.com/office/drawing/2014/main" xmlns="" id="{FFE5BB39-F6A6-43BC-BA7E-53FDB72933B3}"/>
+                <a16:creationId xmlns="" xmlns:a16="http://schemas.microsoft.com/office/drawing/2014/main" id="{FFE5BB39-F6A6-43BC-BA7E-53FDB72933B3}"/>
               </a:ext>
             </a:extLst>
           </p:cNvPr>
@@ -7850,7 +7858,7 @@
           <p:cNvPr id="8" name="TextBox 7">
             <a:extLst>
               <a:ext uri="{FF2B5EF4-FFF2-40B4-BE49-F238E27FC236}">
-                <a16:creationId xmlns:a16="http://schemas.microsoft.com/office/drawing/2014/main" xmlns="" id="{231DDADD-D012-4924-B434-0AFD0AB713F0}"/>
+                <a16:creationId xmlns="" xmlns:a16="http://schemas.microsoft.com/office/drawing/2014/main" id="{231DDADD-D012-4924-B434-0AFD0AB713F0}"/>
               </a:ext>
             </a:extLst>
           </p:cNvPr>
@@ -7988,7 +7996,7 @@
           <p:cNvPr id="18" name="Title 7">
             <a:extLst>
               <a:ext uri="{FF2B5EF4-FFF2-40B4-BE49-F238E27FC236}">
-                <a16:creationId xmlns:a16="http://schemas.microsoft.com/office/drawing/2014/main" xmlns="" id="{E195DE7B-42F0-4CAA-AAB0-D33DB61C53CA}"/>
+                <a16:creationId xmlns="" xmlns:a16="http://schemas.microsoft.com/office/drawing/2014/main" id="{E195DE7B-42F0-4CAA-AAB0-D33DB61C53CA}"/>
               </a:ext>
             </a:extLst>
           </p:cNvPr>
@@ -9143,7 +9151,7 @@
           <p:cNvPr id="18" name="Title 7">
             <a:extLst>
               <a:ext uri="{FF2B5EF4-FFF2-40B4-BE49-F238E27FC236}">
-                <a16:creationId xmlns:a16="http://schemas.microsoft.com/office/drawing/2014/main" xmlns="" id="{E195DE7B-42F0-4CAA-AAB0-D33DB61C53CA}"/>
+                <a16:creationId xmlns="" xmlns:a16="http://schemas.microsoft.com/office/drawing/2014/main" id="{E195DE7B-42F0-4CAA-AAB0-D33DB61C53CA}"/>
               </a:ext>
             </a:extLst>
           </p:cNvPr>
@@ -9958,7 +9966,7 @@
           <p:cNvPr id="18" name="Title 7">
             <a:extLst>
               <a:ext uri="{FF2B5EF4-FFF2-40B4-BE49-F238E27FC236}">
-                <a16:creationId xmlns:a16="http://schemas.microsoft.com/office/drawing/2014/main" xmlns="" id="{E195DE7B-42F0-4CAA-AAB0-D33DB61C53CA}"/>
+                <a16:creationId xmlns="" xmlns:a16="http://schemas.microsoft.com/office/drawing/2014/main" id="{E195DE7B-42F0-4CAA-AAB0-D33DB61C53CA}"/>
               </a:ext>
             </a:extLst>
           </p:cNvPr>
@@ -11313,7 +11321,7 @@
           <p:cNvPr id="18" name="Title 7">
             <a:extLst>
               <a:ext uri="{FF2B5EF4-FFF2-40B4-BE49-F238E27FC236}">
-                <a16:creationId xmlns:a16="http://schemas.microsoft.com/office/drawing/2014/main" xmlns="" id="{E195DE7B-42F0-4CAA-AAB0-D33DB61C53CA}"/>
+                <a16:creationId xmlns="" xmlns:a16="http://schemas.microsoft.com/office/drawing/2014/main" id="{E195DE7B-42F0-4CAA-AAB0-D33DB61C53CA}"/>
               </a:ext>
             </a:extLst>
           </p:cNvPr>
@@ -12080,7 +12088,7 @@
           <p:cNvPr id="18" name="Title 7">
             <a:extLst>
               <a:ext uri="{FF2B5EF4-FFF2-40B4-BE49-F238E27FC236}">
-                <a16:creationId xmlns:a16="http://schemas.microsoft.com/office/drawing/2014/main" xmlns="" id="{E195DE7B-42F0-4CAA-AAB0-D33DB61C53CA}"/>
+                <a16:creationId xmlns="" xmlns:a16="http://schemas.microsoft.com/office/drawing/2014/main" id="{E195DE7B-42F0-4CAA-AAB0-D33DB61C53CA}"/>
               </a:ext>
             </a:extLst>
           </p:cNvPr>
@@ -12597,7 +12605,7 @@
           <p:cNvPr id="18" name="Title 7">
             <a:extLst>
               <a:ext uri="{FF2B5EF4-FFF2-40B4-BE49-F238E27FC236}">
-                <a16:creationId xmlns:a16="http://schemas.microsoft.com/office/drawing/2014/main" xmlns="" id="{E195DE7B-42F0-4CAA-AAB0-D33DB61C53CA}"/>
+                <a16:creationId xmlns="" xmlns:a16="http://schemas.microsoft.com/office/drawing/2014/main" id="{E195DE7B-42F0-4CAA-AAB0-D33DB61C53CA}"/>
               </a:ext>
             </a:extLst>
           </p:cNvPr>
@@ -13369,7 +13377,7 @@
           <p:cNvPr id="18" name="Title 7">
             <a:extLst>
               <a:ext uri="{FF2B5EF4-FFF2-40B4-BE49-F238E27FC236}">
-                <a16:creationId xmlns:a16="http://schemas.microsoft.com/office/drawing/2014/main" xmlns="" id="{E195DE7B-42F0-4CAA-AAB0-D33DB61C53CA}"/>
+                <a16:creationId xmlns="" xmlns:a16="http://schemas.microsoft.com/office/drawing/2014/main" id="{E195DE7B-42F0-4CAA-AAB0-D33DB61C53CA}"/>
               </a:ext>
             </a:extLst>
           </p:cNvPr>
@@ -13418,15 +13426,7 @@
                   <a:srgbClr val="333F48"/>
                 </a:solidFill>
               </a:rPr>
-              <a:t>3. </a:t>
-            </a:r>
-            <a:r>
-              <a:rPr lang="ru-RU" sz="3200" dirty="0" smtClean="0">
-                <a:solidFill>
-                  <a:srgbClr val="333F48"/>
-                </a:solidFill>
-              </a:rPr>
-              <a:t>Пакет с Конвейерной функцией</a:t>
+              <a:t>3. Пакет с Конвейерной функцией</a:t>
             </a:r>
             <a:endParaRPr lang="ru-RU" sz="1200" dirty="0"/>
           </a:p>
@@ -13917,7 +13917,7 @@
           <p:cNvPr id="18" name="Title 7">
             <a:extLst>
               <a:ext uri="{FF2B5EF4-FFF2-40B4-BE49-F238E27FC236}">
-                <a16:creationId xmlns:a16="http://schemas.microsoft.com/office/drawing/2014/main" xmlns="" id="{E195DE7B-42F0-4CAA-AAB0-D33DB61C53CA}"/>
+                <a16:creationId xmlns="" xmlns:a16="http://schemas.microsoft.com/office/drawing/2014/main" id="{E195DE7B-42F0-4CAA-AAB0-D33DB61C53CA}"/>
               </a:ext>
             </a:extLst>
           </p:cNvPr>
@@ -14744,7 +14744,7 @@
           <p:cNvPr id="18" name="Title 7">
             <a:extLst>
               <a:ext uri="{FF2B5EF4-FFF2-40B4-BE49-F238E27FC236}">
-                <a16:creationId xmlns:a16="http://schemas.microsoft.com/office/drawing/2014/main" xmlns="" id="{E195DE7B-42F0-4CAA-AAB0-D33DB61C53CA}"/>
+                <a16:creationId xmlns="" xmlns:a16="http://schemas.microsoft.com/office/drawing/2014/main" id="{E195DE7B-42F0-4CAA-AAB0-D33DB61C53CA}"/>
               </a:ext>
             </a:extLst>
           </p:cNvPr>
@@ -15763,7 +15763,7 @@
           <p:cNvPr id="18" name="Title 7">
             <a:extLst>
               <a:ext uri="{FF2B5EF4-FFF2-40B4-BE49-F238E27FC236}">
-                <a16:creationId xmlns:a16="http://schemas.microsoft.com/office/drawing/2014/main" xmlns="" id="{E195DE7B-42F0-4CAA-AAB0-D33DB61C53CA}"/>
+                <a16:creationId xmlns="" xmlns:a16="http://schemas.microsoft.com/office/drawing/2014/main" id="{E195DE7B-42F0-4CAA-AAB0-D33DB61C53CA}"/>
               </a:ext>
             </a:extLst>
           </p:cNvPr>
@@ -16826,7 +16826,7 @@
           <p:cNvPr id="17" name="Рисунок 2">
             <a:extLst>
               <a:ext uri="{FF2B5EF4-FFF2-40B4-BE49-F238E27FC236}">
-                <a16:creationId xmlns:a16="http://schemas.microsoft.com/office/drawing/2014/main" xmlns="" id="{0DCCFB52-7D2B-4BA7-8FE3-E7C19E143E4E}"/>
+                <a16:creationId xmlns="" xmlns:a16="http://schemas.microsoft.com/office/drawing/2014/main" id="{0DCCFB52-7D2B-4BA7-8FE3-E7C19E143E4E}"/>
               </a:ext>
             </a:extLst>
           </p:cNvPr>
@@ -16855,7 +16855,7 @@
           <p:cNvPr id="20" name="object 26">
             <a:extLst>
               <a:ext uri="{FF2B5EF4-FFF2-40B4-BE49-F238E27FC236}">
-                <a16:creationId xmlns:a16="http://schemas.microsoft.com/office/drawing/2014/main" xmlns="" id="{4DE54BB7-929A-4B8A-9DA0-D0EEC7053A84}"/>
+                <a16:creationId xmlns="" xmlns:a16="http://schemas.microsoft.com/office/drawing/2014/main" id="{4DE54BB7-929A-4B8A-9DA0-D0EEC7053A84}"/>
               </a:ext>
             </a:extLst>
           </p:cNvPr>
@@ -16914,7 +16914,7 @@
           <p:cNvPr id="22" name="Рисунок 12">
             <a:extLst>
               <a:ext uri="{FF2B5EF4-FFF2-40B4-BE49-F238E27FC236}">
-                <a16:creationId xmlns:a16="http://schemas.microsoft.com/office/drawing/2014/main" xmlns="" id="{436EC55F-517B-4FC1-85F8-ED7FCD662E5D}"/>
+                <a16:creationId xmlns="" xmlns:a16="http://schemas.microsoft.com/office/drawing/2014/main" id="{436EC55F-517B-4FC1-85F8-ED7FCD662E5D}"/>
               </a:ext>
             </a:extLst>
           </p:cNvPr>
@@ -16943,7 +16943,7 @@
           <p:cNvPr id="23" name="object 26">
             <a:extLst>
               <a:ext uri="{FF2B5EF4-FFF2-40B4-BE49-F238E27FC236}">
-                <a16:creationId xmlns:a16="http://schemas.microsoft.com/office/drawing/2014/main" xmlns="" id="{A8F6E936-17AA-460E-A5F3-7295B64C51D9}"/>
+                <a16:creationId xmlns="" xmlns:a16="http://schemas.microsoft.com/office/drawing/2014/main" id="{A8F6E936-17AA-460E-A5F3-7295B64C51D9}"/>
               </a:ext>
             </a:extLst>
           </p:cNvPr>
@@ -16995,7 +16995,7 @@
           <p:cNvPr id="24" name="Рисунок 23">
             <a:extLst>
               <a:ext uri="{FF2B5EF4-FFF2-40B4-BE49-F238E27FC236}">
-                <a16:creationId xmlns:a16="http://schemas.microsoft.com/office/drawing/2014/main" xmlns="" id="{C8D1253D-2E3F-4357-A3C7-FF90F8F21EDF}"/>
+                <a16:creationId xmlns="" xmlns:a16="http://schemas.microsoft.com/office/drawing/2014/main" id="{C8D1253D-2E3F-4357-A3C7-FF90F8F21EDF}"/>
               </a:ext>
             </a:extLst>
           </p:cNvPr>
@@ -17024,7 +17024,7 @@
           <p:cNvPr id="25" name="object 26">
             <a:extLst>
               <a:ext uri="{FF2B5EF4-FFF2-40B4-BE49-F238E27FC236}">
-                <a16:creationId xmlns:a16="http://schemas.microsoft.com/office/drawing/2014/main" xmlns="" id="{00AF5FF0-543F-426D-85A1-4D4DBAB934D8}"/>
+                <a16:creationId xmlns="" xmlns:a16="http://schemas.microsoft.com/office/drawing/2014/main" id="{00AF5FF0-543F-426D-85A1-4D4DBAB934D8}"/>
               </a:ext>
             </a:extLst>
           </p:cNvPr>
@@ -17104,7 +17104,7 @@
           <p:cNvPr id="26" name="object 26">
             <a:extLst>
               <a:ext uri="{FF2B5EF4-FFF2-40B4-BE49-F238E27FC236}">
-                <a16:creationId xmlns:a16="http://schemas.microsoft.com/office/drawing/2014/main" xmlns="" id="{453BB67C-6BE9-45B5-B1FA-AD1EE9AB42E3}"/>
+                <a16:creationId xmlns="" xmlns:a16="http://schemas.microsoft.com/office/drawing/2014/main" id="{453BB67C-6BE9-45B5-B1FA-AD1EE9AB42E3}"/>
               </a:ext>
             </a:extLst>
           </p:cNvPr>
@@ -17184,7 +17184,7 @@
           <p:cNvPr id="15" name="TextBox 14">
             <a:extLst>
               <a:ext uri="{FF2B5EF4-FFF2-40B4-BE49-F238E27FC236}">
-                <a16:creationId xmlns:a16="http://schemas.microsoft.com/office/drawing/2014/main" xmlns="" id="{F4B1282C-1EE6-4516-8528-4C3B699AF9DB}"/>
+                <a16:creationId xmlns="" xmlns:a16="http://schemas.microsoft.com/office/drawing/2014/main" id="{F4B1282C-1EE6-4516-8528-4C3B699AF9DB}"/>
               </a:ext>
             </a:extLst>
           </p:cNvPr>
@@ -17297,7 +17297,7 @@
           <p:cNvPr id="16" name="Рисунок 15">
             <a:extLst>
               <a:ext uri="{FF2B5EF4-FFF2-40B4-BE49-F238E27FC236}">
-                <a16:creationId xmlns:a16="http://schemas.microsoft.com/office/drawing/2014/main" xmlns="" id="{5AE95B28-B2FC-43A5-8B6E-FD95AA24B1B8}"/>
+                <a16:creationId xmlns="" xmlns:a16="http://schemas.microsoft.com/office/drawing/2014/main" id="{5AE95B28-B2FC-43A5-8B6E-FD95AA24B1B8}"/>
               </a:ext>
             </a:extLst>
           </p:cNvPr>
@@ -17326,7 +17326,7 @@
           <p:cNvPr id="27" name="object 26">
             <a:extLst>
               <a:ext uri="{FF2B5EF4-FFF2-40B4-BE49-F238E27FC236}">
-                <a16:creationId xmlns:a16="http://schemas.microsoft.com/office/drawing/2014/main" xmlns="" id="{D96035DE-DB7E-4A03-A568-62EAA55D76F0}"/>
+                <a16:creationId xmlns="" xmlns:a16="http://schemas.microsoft.com/office/drawing/2014/main" id="{D96035DE-DB7E-4A03-A568-62EAA55D76F0}"/>
               </a:ext>
             </a:extLst>
           </p:cNvPr>
@@ -17546,7 +17546,7 @@
           <p:cNvPr id="18" name="Title 7">
             <a:extLst>
               <a:ext uri="{FF2B5EF4-FFF2-40B4-BE49-F238E27FC236}">
-                <a16:creationId xmlns:a16="http://schemas.microsoft.com/office/drawing/2014/main" xmlns="" id="{E195DE7B-42F0-4CAA-AAB0-D33DB61C53CA}"/>
+                <a16:creationId xmlns="" xmlns:a16="http://schemas.microsoft.com/office/drawing/2014/main" id="{E195DE7B-42F0-4CAA-AAB0-D33DB61C53CA}"/>
               </a:ext>
             </a:extLst>
           </p:cNvPr>
@@ -18666,7 +18666,7 @@
           <p:cNvPr id="18" name="Title 7">
             <a:extLst>
               <a:ext uri="{FF2B5EF4-FFF2-40B4-BE49-F238E27FC236}">
-                <a16:creationId xmlns:a16="http://schemas.microsoft.com/office/drawing/2014/main" xmlns="" id="{E195DE7B-42F0-4CAA-AAB0-D33DB61C53CA}"/>
+                <a16:creationId xmlns="" xmlns:a16="http://schemas.microsoft.com/office/drawing/2014/main" id="{E195DE7B-42F0-4CAA-AAB0-D33DB61C53CA}"/>
               </a:ext>
             </a:extLst>
           </p:cNvPr>
@@ -19696,7 +19696,7 @@
           <p:cNvPr id="18" name="Title 7">
             <a:extLst>
               <a:ext uri="{FF2B5EF4-FFF2-40B4-BE49-F238E27FC236}">
-                <a16:creationId xmlns:a16="http://schemas.microsoft.com/office/drawing/2014/main" xmlns="" id="{E195DE7B-42F0-4CAA-AAB0-D33DB61C53CA}"/>
+                <a16:creationId xmlns="" xmlns:a16="http://schemas.microsoft.com/office/drawing/2014/main" id="{E195DE7B-42F0-4CAA-AAB0-D33DB61C53CA}"/>
               </a:ext>
             </a:extLst>
           </p:cNvPr>
@@ -21007,7 +21007,7 @@
           <p:cNvPr id="18" name="Title 7">
             <a:extLst>
               <a:ext uri="{FF2B5EF4-FFF2-40B4-BE49-F238E27FC236}">
-                <a16:creationId xmlns:a16="http://schemas.microsoft.com/office/drawing/2014/main" xmlns="" id="{E195DE7B-42F0-4CAA-AAB0-D33DB61C53CA}"/>
+                <a16:creationId xmlns="" xmlns:a16="http://schemas.microsoft.com/office/drawing/2014/main" id="{E195DE7B-42F0-4CAA-AAB0-D33DB61C53CA}"/>
               </a:ext>
             </a:extLst>
           </p:cNvPr>
@@ -21697,6 +21697,1208 @@
       </p:grpSpPr>
       <p:sp>
         <p:nvSpPr>
+          <p:cNvPr id="18" name="Title 7">
+            <a:extLst>
+              <a:ext uri="{FF2B5EF4-FFF2-40B4-BE49-F238E27FC236}">
+                <a16:creationId xmlns="" xmlns:a16="http://schemas.microsoft.com/office/drawing/2014/main" id="{E195DE7B-42F0-4CAA-AAB0-D33DB61C53CA}"/>
+              </a:ext>
+            </a:extLst>
+          </p:cNvPr>
+          <p:cNvSpPr>
+            <a:spLocks/>
+          </p:cNvSpPr>
+          <p:nvPr/>
+        </p:nvSpPr>
+        <p:spPr bwMode="auto">
+          <a:xfrm>
+            <a:off x="191344" y="285978"/>
+            <a:ext cx="12169352" cy="550734"/>
+          </a:xfrm>
+          <a:prstGeom prst="rect">
+            <a:avLst/>
+          </a:prstGeom>
+        </p:spPr>
+        <p:txBody>
+          <a:bodyPr lIns="0" tIns="0" rIns="0" bIns="0"/>
+          <a:lstStyle>
+            <a:lvl1pPr algn="l" defTabSz="914400">
+              <a:lnSpc>
+                <a:spcPct val="90000"/>
+              </a:lnSpc>
+              <a:spcBef>
+                <a:spcPts val="0"/>
+              </a:spcBef>
+              <a:buNone/>
+              <a:defRPr sz="4400" b="0" i="0">
+                <a:solidFill>
+                  <a:schemeClr val="tx1"/>
+                </a:solidFill>
+                <a:latin typeface="SB Sans Display Regular"/>
+                <a:ea typeface="+mj-ea"/>
+                <a:cs typeface="+mj-cs"/>
+              </a:defRPr>
+            </a:lvl1pPr>
+          </a:lstStyle>
+          <a:p>
+            <a:pPr>
+              <a:defRPr/>
+            </a:pPr>
+            <a:r>
+              <a:rPr lang="en-US" sz="3200" dirty="0">
+                <a:solidFill>
+                  <a:srgbClr val="333F48"/>
+                </a:solidFill>
+              </a:rPr>
+              <a:t>4</a:t>
+            </a:r>
+            <a:r>
+              <a:rPr lang="ru-RU" sz="3200" dirty="0" smtClean="0">
+                <a:solidFill>
+                  <a:srgbClr val="333F48"/>
+                </a:solidFill>
+              </a:rPr>
+              <a:t>. </a:t>
+            </a:r>
+            <a:r>
+              <a:rPr lang="ru-RU" sz="3200" dirty="0" smtClean="0">
+                <a:solidFill>
+                  <a:srgbClr val="333F48"/>
+                </a:solidFill>
+              </a:rPr>
+              <a:t>График платежей для клиента</a:t>
+            </a:r>
+            <a:endParaRPr lang="ru-RU" sz="1200" dirty="0"/>
+          </a:p>
+          <a:p>
+            <a:pPr>
+              <a:defRPr/>
+            </a:pPr>
+            <a:r>
+              <a:rPr lang="ru-RU" sz="3200" dirty="0" smtClean="0">
+                <a:solidFill>
+                  <a:srgbClr val="333F48"/>
+                </a:solidFill>
+              </a:rPr>
+              <a:t> </a:t>
+            </a:r>
+            <a:endParaRPr lang="ru-RU" sz="1200" dirty="0"/>
+          </a:p>
+        </p:txBody>
+      </p:sp>
+      <p:sp>
+        <p:nvSpPr>
+          <p:cNvPr id="5" name="TextBox 4"/>
+          <p:cNvSpPr txBox="1"/>
+          <p:nvPr/>
+        </p:nvSpPr>
+        <p:spPr>
+          <a:xfrm>
+            <a:off x="5879976" y="614491"/>
+            <a:ext cx="6120680" cy="507831"/>
+          </a:xfrm>
+          <a:prstGeom prst="rect">
+            <a:avLst/>
+          </a:prstGeom>
+          <a:noFill/>
+        </p:spPr>
+        <p:txBody>
+          <a:bodyPr wrap="square" rtlCol="0">
+            <a:spAutoFit/>
+          </a:bodyPr>
+          <a:lstStyle/>
+          <a:p>
+            <a:r>
+              <a:rPr lang="en-US" sz="900" dirty="0"/>
+              <a:t> </a:t>
+            </a:r>
+          </a:p>
+          <a:p>
+            <a:endParaRPr lang="en-US" sz="900" dirty="0"/>
+          </a:p>
+          <a:p>
+            <a:r>
+              <a:rPr lang="en-US" sz="900" dirty="0" smtClean="0"/>
+              <a:t>   </a:t>
+            </a:r>
+            <a:endParaRPr lang="ru-RU" sz="900" dirty="0"/>
+          </a:p>
+        </p:txBody>
+      </p:sp>
+      <p:sp>
+        <p:nvSpPr>
+          <p:cNvPr id="4" name="TextBox 3"/>
+          <p:cNvSpPr txBox="1"/>
+          <p:nvPr/>
+        </p:nvSpPr>
+        <p:spPr>
+          <a:xfrm>
+            <a:off x="335360" y="764704"/>
+            <a:ext cx="11665296" cy="5262979"/>
+          </a:xfrm>
+          <a:prstGeom prst="rect">
+            <a:avLst/>
+          </a:prstGeom>
+          <a:solidFill>
+            <a:schemeClr val="accent3">
+              <a:lumMod val="20000"/>
+              <a:lumOff val="80000"/>
+            </a:schemeClr>
+          </a:solidFill>
+          <a:ln>
+            <a:solidFill>
+              <a:schemeClr val="accent1"/>
+            </a:solidFill>
+          </a:ln>
+        </p:spPr>
+        <p:txBody>
+          <a:bodyPr wrap="square" rtlCol="0">
+            <a:spAutoFit/>
+          </a:bodyPr>
+          <a:lstStyle/>
+          <a:p>
+            <a:endParaRPr lang="en-US" sz="1050" dirty="0">
+              <a:latin typeface="Courier New" panose="02070309020205020404" pitchFamily="49" charset="0"/>
+              <a:cs typeface="Courier New" panose="02070309020205020404" pitchFamily="49" charset="0"/>
+            </a:endParaRPr>
+          </a:p>
+          <a:p>
+            <a:r>
+              <a:rPr lang="en-US" sz="1050" dirty="0">
+                <a:latin typeface="Courier New" panose="02070309020205020404" pitchFamily="49" charset="0"/>
+                <a:cs typeface="Courier New" panose="02070309020205020404" pitchFamily="49" charset="0"/>
+              </a:rPr>
+              <a:t>SELECT</a:t>
+            </a:r>
+          </a:p>
+          <a:p>
+            <a:r>
+              <a:rPr lang="en-US" sz="1050" dirty="0">
+                <a:latin typeface="Courier New" panose="02070309020205020404" pitchFamily="49" charset="0"/>
+                <a:cs typeface="Courier New" panose="02070309020205020404" pitchFamily="49" charset="0"/>
+              </a:rPr>
+              <a:t>     </a:t>
+            </a:r>
+            <a:r>
+              <a:rPr lang="en-US" sz="1050" dirty="0" err="1">
+                <a:latin typeface="Courier New" panose="02070309020205020404" pitchFamily="49" charset="0"/>
+                <a:cs typeface="Courier New" panose="02070309020205020404" pitchFamily="49" charset="0"/>
+              </a:rPr>
+              <a:t>p_date</a:t>
+            </a:r>
+            <a:endParaRPr lang="en-US" sz="1050" dirty="0">
+              <a:latin typeface="Courier New" panose="02070309020205020404" pitchFamily="49" charset="0"/>
+              <a:cs typeface="Courier New" panose="02070309020205020404" pitchFamily="49" charset="0"/>
+            </a:endParaRPr>
+          </a:p>
+          <a:p>
+            <a:r>
+              <a:rPr lang="en-US" sz="1050" dirty="0">
+                <a:latin typeface="Courier New" panose="02070309020205020404" pitchFamily="49" charset="0"/>
+                <a:cs typeface="Courier New" panose="02070309020205020404" pitchFamily="49" charset="0"/>
+              </a:rPr>
+              <a:t>    ,SUM(</a:t>
+            </a:r>
+            <a:r>
+              <a:rPr lang="en-US" sz="1050" dirty="0" err="1">
+                <a:latin typeface="Courier New" panose="02070309020205020404" pitchFamily="49" charset="0"/>
+                <a:cs typeface="Courier New" panose="02070309020205020404" pitchFamily="49" charset="0"/>
+              </a:rPr>
+              <a:t>p_summa</a:t>
+            </a:r>
+            <a:r>
+              <a:rPr lang="en-US" sz="1050" dirty="0">
+                <a:latin typeface="Courier New" panose="02070309020205020404" pitchFamily="49" charset="0"/>
+                <a:cs typeface="Courier New" panose="02070309020205020404" pitchFamily="49" charset="0"/>
+              </a:rPr>
+              <a:t>) AS "</a:t>
+            </a:r>
+            <a:r>
+              <a:rPr lang="ru-RU" sz="1050" dirty="0">
+                <a:latin typeface="Courier New" panose="02070309020205020404" pitchFamily="49" charset="0"/>
+                <a:cs typeface="Courier New" panose="02070309020205020404" pitchFamily="49" charset="0"/>
+              </a:rPr>
+              <a:t>ПЛЯТЕЖ"</a:t>
+            </a:r>
+          </a:p>
+          <a:p>
+            <a:r>
+              <a:rPr lang="ru-RU" sz="1050" dirty="0">
+                <a:latin typeface="Courier New" panose="02070309020205020404" pitchFamily="49" charset="0"/>
+                <a:cs typeface="Courier New" panose="02070309020205020404" pitchFamily="49" charset="0"/>
+              </a:rPr>
+              <a:t>    ,</a:t>
+            </a:r>
+            <a:r>
+              <a:rPr lang="en-US" sz="1050" dirty="0">
+                <a:latin typeface="Courier New" panose="02070309020205020404" pitchFamily="49" charset="0"/>
+                <a:cs typeface="Courier New" panose="02070309020205020404" pitchFamily="49" charset="0"/>
+              </a:rPr>
+              <a:t>LISTAGG(</a:t>
+            </a:r>
+            <a:r>
+              <a:rPr lang="en-US" sz="1050" dirty="0" err="1">
+                <a:latin typeface="Courier New" panose="02070309020205020404" pitchFamily="49" charset="0"/>
+                <a:cs typeface="Courier New" panose="02070309020205020404" pitchFamily="49" charset="0"/>
+              </a:rPr>
+              <a:t>type_oper</a:t>
+            </a:r>
+            <a:r>
+              <a:rPr lang="en-US" sz="1050" dirty="0">
+                <a:latin typeface="Courier New" panose="02070309020205020404" pitchFamily="49" charset="0"/>
+                <a:cs typeface="Courier New" panose="02070309020205020404" pitchFamily="49" charset="0"/>
+              </a:rPr>
+              <a:t> || ':' || TO_CHAR(p_summa,'999990.99'), '; ') WITHIN GROUP (ORDER BY </a:t>
+            </a:r>
+            <a:r>
+              <a:rPr lang="en-US" sz="1050" dirty="0" err="1">
+                <a:latin typeface="Courier New" panose="02070309020205020404" pitchFamily="49" charset="0"/>
+                <a:cs typeface="Courier New" panose="02070309020205020404" pitchFamily="49" charset="0"/>
+              </a:rPr>
+              <a:t>type_oper</a:t>
+            </a:r>
+            <a:r>
+              <a:rPr lang="en-US" sz="1050" dirty="0">
+                <a:latin typeface="Courier New" panose="02070309020205020404" pitchFamily="49" charset="0"/>
+                <a:cs typeface="Courier New" panose="02070309020205020404" pitchFamily="49" charset="0"/>
+              </a:rPr>
+              <a:t>) AS "</a:t>
+            </a:r>
+            <a:r>
+              <a:rPr lang="ru-RU" sz="1050" dirty="0">
+                <a:latin typeface="Courier New" panose="02070309020205020404" pitchFamily="49" charset="0"/>
+                <a:cs typeface="Courier New" panose="02070309020205020404" pitchFamily="49" charset="0"/>
+              </a:rPr>
+              <a:t>РАСШИФРОВКА"</a:t>
+            </a:r>
+          </a:p>
+          <a:p>
+            <a:r>
+              <a:rPr lang="ru-RU" sz="1050" dirty="0">
+                <a:latin typeface="Courier New" panose="02070309020205020404" pitchFamily="49" charset="0"/>
+                <a:cs typeface="Courier New" panose="02070309020205020404" pitchFamily="49" charset="0"/>
+              </a:rPr>
+              <a:t>    ,</a:t>
+            </a:r>
+            <a:r>
+              <a:rPr lang="en-US" sz="1050" dirty="0">
+                <a:latin typeface="Courier New" panose="02070309020205020404" pitchFamily="49" charset="0"/>
+                <a:cs typeface="Courier New" panose="02070309020205020404" pitchFamily="49" charset="0"/>
+              </a:rPr>
+              <a:t>TO_CHAR(ABS((</a:t>
+            </a:r>
+          </a:p>
+          <a:p>
+            <a:r>
+              <a:rPr lang="en-US" sz="1050" dirty="0">
+                <a:latin typeface="Courier New" panose="02070309020205020404" pitchFamily="49" charset="0"/>
+                <a:cs typeface="Courier New" panose="02070309020205020404" pitchFamily="49" charset="0"/>
+              </a:rPr>
+              <a:t>        SELECT</a:t>
+            </a:r>
+          </a:p>
+          <a:p>
+            <a:r>
+              <a:rPr lang="en-US" sz="1050" dirty="0">
+                <a:latin typeface="Courier New" panose="02070309020205020404" pitchFamily="49" charset="0"/>
+                <a:cs typeface="Courier New" panose="02070309020205020404" pitchFamily="49" charset="0"/>
+              </a:rPr>
+              <a:t>            SUM(</a:t>
+            </a:r>
+            <a:r>
+              <a:rPr lang="en-US" sz="1050" dirty="0" err="1">
+                <a:latin typeface="Courier New" panose="02070309020205020404" pitchFamily="49" charset="0"/>
+                <a:cs typeface="Courier New" panose="02070309020205020404" pitchFamily="49" charset="0"/>
+              </a:rPr>
+              <a:t>p_summa</a:t>
+            </a:r>
+            <a:r>
+              <a:rPr lang="en-US" sz="1050" dirty="0">
+                <a:latin typeface="Courier New" panose="02070309020205020404" pitchFamily="49" charset="0"/>
+                <a:cs typeface="Courier New" panose="02070309020205020404" pitchFamily="49" charset="0"/>
+              </a:rPr>
+              <a:t>)</a:t>
+            </a:r>
+          </a:p>
+          <a:p>
+            <a:r>
+              <a:rPr lang="en-US" sz="1050" dirty="0">
+                <a:latin typeface="Courier New" panose="02070309020205020404" pitchFamily="49" charset="0"/>
+                <a:cs typeface="Courier New" panose="02070309020205020404" pitchFamily="49" charset="0"/>
+              </a:rPr>
+              <a:t>            FROM c##</a:t>
+            </a:r>
+            <a:r>
+              <a:rPr lang="en-US" sz="1050" dirty="0" err="1">
+                <a:latin typeface="Courier New" panose="02070309020205020404" pitchFamily="49" charset="0"/>
+                <a:cs typeface="Courier New" panose="02070309020205020404" pitchFamily="49" charset="0"/>
+              </a:rPr>
+              <a:t>course.plan_oper</a:t>
+            </a:r>
+            <a:r>
+              <a:rPr lang="en-US" sz="1050" dirty="0">
+                <a:latin typeface="Courier New" panose="02070309020205020404" pitchFamily="49" charset="0"/>
+                <a:cs typeface="Courier New" panose="02070309020205020404" pitchFamily="49" charset="0"/>
+              </a:rPr>
+              <a:t> issued</a:t>
+            </a:r>
+          </a:p>
+          <a:p>
+            <a:r>
+              <a:rPr lang="en-US" sz="1050" dirty="0">
+                <a:latin typeface="Courier New" panose="02070309020205020404" pitchFamily="49" charset="0"/>
+                <a:cs typeface="Courier New" panose="02070309020205020404" pitchFamily="49" charset="0"/>
+              </a:rPr>
+              <a:t>            WHERE</a:t>
+            </a:r>
+          </a:p>
+          <a:p>
+            <a:r>
+              <a:rPr lang="en-US" sz="1050" dirty="0">
+                <a:latin typeface="Courier New" panose="02070309020205020404" pitchFamily="49" charset="0"/>
+                <a:cs typeface="Courier New" panose="02070309020205020404" pitchFamily="49" charset="0"/>
+              </a:rPr>
+              <a:t>                </a:t>
+            </a:r>
+            <a:r>
+              <a:rPr lang="en-US" sz="1050" dirty="0" err="1">
+                <a:latin typeface="Courier New" panose="02070309020205020404" pitchFamily="49" charset="0"/>
+                <a:cs typeface="Courier New" panose="02070309020205020404" pitchFamily="49" charset="0"/>
+              </a:rPr>
+              <a:t>issued.collection_id</a:t>
+            </a:r>
+            <a:r>
+              <a:rPr lang="en-US" sz="1050" dirty="0">
+                <a:latin typeface="Courier New" panose="02070309020205020404" pitchFamily="49" charset="0"/>
+                <a:cs typeface="Courier New" panose="02070309020205020404" pitchFamily="49" charset="0"/>
+              </a:rPr>
+              <a:t> = </a:t>
+            </a:r>
+            <a:r>
+              <a:rPr lang="en-US" sz="1050" dirty="0" err="1">
+                <a:latin typeface="Courier New" panose="02070309020205020404" pitchFamily="49" charset="0"/>
+                <a:cs typeface="Courier New" panose="02070309020205020404" pitchFamily="49" charset="0"/>
+              </a:rPr>
+              <a:t>po.collection_id</a:t>
+            </a:r>
+            <a:endParaRPr lang="en-US" sz="1050" dirty="0">
+              <a:latin typeface="Courier New" panose="02070309020205020404" pitchFamily="49" charset="0"/>
+              <a:cs typeface="Courier New" panose="02070309020205020404" pitchFamily="49" charset="0"/>
+            </a:endParaRPr>
+          </a:p>
+          <a:p>
+            <a:r>
+              <a:rPr lang="en-US" sz="1050" dirty="0">
+                <a:latin typeface="Courier New" panose="02070309020205020404" pitchFamily="49" charset="0"/>
+                <a:cs typeface="Courier New" panose="02070309020205020404" pitchFamily="49" charset="0"/>
+              </a:rPr>
+              <a:t>                AND</a:t>
+            </a:r>
+          </a:p>
+          <a:p>
+            <a:r>
+              <a:rPr lang="en-US" sz="1050" dirty="0">
+                <a:latin typeface="Courier New" panose="02070309020205020404" pitchFamily="49" charset="0"/>
+                <a:cs typeface="Courier New" panose="02070309020205020404" pitchFamily="49" charset="0"/>
+              </a:rPr>
+              <a:t>                </a:t>
+            </a:r>
+            <a:r>
+              <a:rPr lang="en-US" sz="1050" dirty="0" err="1">
+                <a:latin typeface="Courier New" panose="02070309020205020404" pitchFamily="49" charset="0"/>
+                <a:cs typeface="Courier New" panose="02070309020205020404" pitchFamily="49" charset="0"/>
+              </a:rPr>
+              <a:t>issued.type_oper</a:t>
+            </a:r>
+            <a:r>
+              <a:rPr lang="en-US" sz="1050" dirty="0">
+                <a:latin typeface="Courier New" panose="02070309020205020404" pitchFamily="49" charset="0"/>
+                <a:cs typeface="Courier New" panose="02070309020205020404" pitchFamily="49" charset="0"/>
+              </a:rPr>
+              <a:t>='</a:t>
+            </a:r>
+            <a:r>
+              <a:rPr lang="ru-RU" sz="1050" dirty="0">
+                <a:latin typeface="Courier New" panose="02070309020205020404" pitchFamily="49" charset="0"/>
+                <a:cs typeface="Courier New" panose="02070309020205020404" pitchFamily="49" charset="0"/>
+              </a:rPr>
+              <a:t>Выдача кредита'</a:t>
+            </a:r>
+          </a:p>
+          <a:p>
+            <a:r>
+              <a:rPr lang="ru-RU" sz="1050" dirty="0">
+                <a:latin typeface="Courier New" panose="02070309020205020404" pitchFamily="49" charset="0"/>
+                <a:cs typeface="Courier New" panose="02070309020205020404" pitchFamily="49" charset="0"/>
+              </a:rPr>
+              <a:t>    ) </a:t>
+            </a:r>
+            <a:r>
+              <a:rPr lang="ru-RU" sz="1050" dirty="0" smtClean="0">
+                <a:latin typeface="Courier New" panose="02070309020205020404" pitchFamily="49" charset="0"/>
+                <a:cs typeface="Courier New" panose="02070309020205020404" pitchFamily="49" charset="0"/>
+              </a:rPr>
+              <a:t>- </a:t>
+            </a:r>
+            <a:r>
+              <a:rPr lang="ru-RU" sz="1050" dirty="0">
+                <a:latin typeface="Courier New" panose="02070309020205020404" pitchFamily="49" charset="0"/>
+                <a:cs typeface="Courier New" panose="02070309020205020404" pitchFamily="49" charset="0"/>
+              </a:rPr>
+              <a:t>(</a:t>
+            </a:r>
+          </a:p>
+          <a:p>
+            <a:r>
+              <a:rPr lang="ru-RU" sz="1050" dirty="0">
+                <a:latin typeface="Courier New" panose="02070309020205020404" pitchFamily="49" charset="0"/>
+                <a:cs typeface="Courier New" panose="02070309020205020404" pitchFamily="49" charset="0"/>
+              </a:rPr>
+              <a:t>        </a:t>
+            </a:r>
+            <a:r>
+              <a:rPr lang="en-US" sz="1050" dirty="0">
+                <a:latin typeface="Courier New" panose="02070309020205020404" pitchFamily="49" charset="0"/>
+                <a:cs typeface="Courier New" panose="02070309020205020404" pitchFamily="49" charset="0"/>
+              </a:rPr>
+              <a:t>SELECT </a:t>
+            </a:r>
+          </a:p>
+          <a:p>
+            <a:r>
+              <a:rPr lang="en-US" sz="1050" dirty="0">
+                <a:latin typeface="Courier New" panose="02070309020205020404" pitchFamily="49" charset="0"/>
+                <a:cs typeface="Courier New" panose="02070309020205020404" pitchFamily="49" charset="0"/>
+              </a:rPr>
+              <a:t>            SUM(</a:t>
+            </a:r>
+            <a:r>
+              <a:rPr lang="en-US" sz="1050" dirty="0" err="1">
+                <a:latin typeface="Courier New" panose="02070309020205020404" pitchFamily="49" charset="0"/>
+                <a:cs typeface="Courier New" panose="02070309020205020404" pitchFamily="49" charset="0"/>
+              </a:rPr>
+              <a:t>p_summa</a:t>
+            </a:r>
+            <a:r>
+              <a:rPr lang="en-US" sz="1050" dirty="0">
+                <a:latin typeface="Courier New" panose="02070309020205020404" pitchFamily="49" charset="0"/>
+                <a:cs typeface="Courier New" panose="02070309020205020404" pitchFamily="49" charset="0"/>
+              </a:rPr>
+              <a:t>)</a:t>
+            </a:r>
+          </a:p>
+          <a:p>
+            <a:r>
+              <a:rPr lang="en-US" sz="1050" dirty="0">
+                <a:latin typeface="Courier New" panose="02070309020205020404" pitchFamily="49" charset="0"/>
+                <a:cs typeface="Courier New" panose="02070309020205020404" pitchFamily="49" charset="0"/>
+              </a:rPr>
+              <a:t>            FROM c##</a:t>
+            </a:r>
+            <a:r>
+              <a:rPr lang="en-US" sz="1050" dirty="0" err="1">
+                <a:latin typeface="Courier New" panose="02070309020205020404" pitchFamily="49" charset="0"/>
+                <a:cs typeface="Courier New" panose="02070309020205020404" pitchFamily="49" charset="0"/>
+              </a:rPr>
+              <a:t>course.plan_oper</a:t>
+            </a:r>
+            <a:r>
+              <a:rPr lang="en-US" sz="1050" dirty="0">
+                <a:latin typeface="Courier New" panose="02070309020205020404" pitchFamily="49" charset="0"/>
+                <a:cs typeface="Courier New" panose="02070309020205020404" pitchFamily="49" charset="0"/>
+              </a:rPr>
+              <a:t> repayment</a:t>
+            </a:r>
+          </a:p>
+          <a:p>
+            <a:r>
+              <a:rPr lang="en-US" sz="1050" dirty="0">
+                <a:latin typeface="Courier New" panose="02070309020205020404" pitchFamily="49" charset="0"/>
+                <a:cs typeface="Courier New" panose="02070309020205020404" pitchFamily="49" charset="0"/>
+              </a:rPr>
+              <a:t>            WHERE </a:t>
+            </a:r>
+          </a:p>
+          <a:p>
+            <a:r>
+              <a:rPr lang="en-US" sz="1050" dirty="0">
+                <a:latin typeface="Courier New" panose="02070309020205020404" pitchFamily="49" charset="0"/>
+                <a:cs typeface="Courier New" panose="02070309020205020404" pitchFamily="49" charset="0"/>
+              </a:rPr>
+              <a:t>                </a:t>
+            </a:r>
+            <a:r>
+              <a:rPr lang="en-US" sz="1050" dirty="0" err="1">
+                <a:latin typeface="Courier New" panose="02070309020205020404" pitchFamily="49" charset="0"/>
+                <a:cs typeface="Courier New" panose="02070309020205020404" pitchFamily="49" charset="0"/>
+              </a:rPr>
+              <a:t>repayment.collection_id</a:t>
+            </a:r>
+            <a:r>
+              <a:rPr lang="en-US" sz="1050" dirty="0">
+                <a:latin typeface="Courier New" panose="02070309020205020404" pitchFamily="49" charset="0"/>
+                <a:cs typeface="Courier New" panose="02070309020205020404" pitchFamily="49" charset="0"/>
+              </a:rPr>
+              <a:t> = </a:t>
+            </a:r>
+            <a:r>
+              <a:rPr lang="en-US" sz="1050" dirty="0" err="1">
+                <a:latin typeface="Courier New" panose="02070309020205020404" pitchFamily="49" charset="0"/>
+                <a:cs typeface="Courier New" panose="02070309020205020404" pitchFamily="49" charset="0"/>
+              </a:rPr>
+              <a:t>po.collection_id</a:t>
+            </a:r>
+            <a:endParaRPr lang="en-US" sz="1050" dirty="0">
+              <a:latin typeface="Courier New" panose="02070309020205020404" pitchFamily="49" charset="0"/>
+              <a:cs typeface="Courier New" panose="02070309020205020404" pitchFamily="49" charset="0"/>
+            </a:endParaRPr>
+          </a:p>
+          <a:p>
+            <a:r>
+              <a:rPr lang="en-US" sz="1050" dirty="0">
+                <a:latin typeface="Courier New" panose="02070309020205020404" pitchFamily="49" charset="0"/>
+                <a:cs typeface="Courier New" panose="02070309020205020404" pitchFamily="49" charset="0"/>
+              </a:rPr>
+              <a:t>                AND</a:t>
+            </a:r>
+          </a:p>
+          <a:p>
+            <a:r>
+              <a:rPr lang="en-US" sz="1050" dirty="0">
+                <a:latin typeface="Courier New" panose="02070309020205020404" pitchFamily="49" charset="0"/>
+                <a:cs typeface="Courier New" panose="02070309020205020404" pitchFamily="49" charset="0"/>
+              </a:rPr>
+              <a:t>                </a:t>
+            </a:r>
+            <a:r>
+              <a:rPr lang="en-US" sz="1050" dirty="0" err="1">
+                <a:latin typeface="Courier New" panose="02070309020205020404" pitchFamily="49" charset="0"/>
+                <a:cs typeface="Courier New" panose="02070309020205020404" pitchFamily="49" charset="0"/>
+              </a:rPr>
+              <a:t>repayment.type_oper</a:t>
+            </a:r>
+            <a:r>
+              <a:rPr lang="en-US" sz="1050" dirty="0">
+                <a:latin typeface="Courier New" panose="02070309020205020404" pitchFamily="49" charset="0"/>
+                <a:cs typeface="Courier New" panose="02070309020205020404" pitchFamily="49" charset="0"/>
+              </a:rPr>
+              <a:t> = '</a:t>
+            </a:r>
+            <a:r>
+              <a:rPr lang="ru-RU" sz="1050" dirty="0">
+                <a:latin typeface="Courier New" panose="02070309020205020404" pitchFamily="49" charset="0"/>
+                <a:cs typeface="Courier New" panose="02070309020205020404" pitchFamily="49" charset="0"/>
+              </a:rPr>
+              <a:t>Погашение кредита'</a:t>
+            </a:r>
+          </a:p>
+          <a:p>
+            <a:r>
+              <a:rPr lang="ru-RU" sz="1050" dirty="0">
+                <a:latin typeface="Courier New" panose="02070309020205020404" pitchFamily="49" charset="0"/>
+                <a:cs typeface="Courier New" panose="02070309020205020404" pitchFamily="49" charset="0"/>
+              </a:rPr>
+              <a:t>                </a:t>
+            </a:r>
+            <a:r>
+              <a:rPr lang="en-US" sz="1050" dirty="0">
+                <a:latin typeface="Courier New" panose="02070309020205020404" pitchFamily="49" charset="0"/>
+                <a:cs typeface="Courier New" panose="02070309020205020404" pitchFamily="49" charset="0"/>
+              </a:rPr>
+              <a:t>AND</a:t>
+            </a:r>
+          </a:p>
+          <a:p>
+            <a:r>
+              <a:rPr lang="en-US" sz="1050" dirty="0">
+                <a:latin typeface="Courier New" panose="02070309020205020404" pitchFamily="49" charset="0"/>
+                <a:cs typeface="Courier New" panose="02070309020205020404" pitchFamily="49" charset="0"/>
+              </a:rPr>
+              <a:t>                </a:t>
+            </a:r>
+            <a:r>
+              <a:rPr lang="en-US" sz="1050" dirty="0" err="1">
+                <a:latin typeface="Courier New" panose="02070309020205020404" pitchFamily="49" charset="0"/>
+                <a:cs typeface="Courier New" panose="02070309020205020404" pitchFamily="49" charset="0"/>
+              </a:rPr>
+              <a:t>repayment.p_date</a:t>
+            </a:r>
+            <a:r>
+              <a:rPr lang="en-US" sz="1050" dirty="0">
+                <a:latin typeface="Courier New" panose="02070309020205020404" pitchFamily="49" charset="0"/>
+                <a:cs typeface="Courier New" panose="02070309020205020404" pitchFamily="49" charset="0"/>
+              </a:rPr>
+              <a:t> &lt;= </a:t>
+            </a:r>
+            <a:r>
+              <a:rPr lang="en-US" sz="1050" dirty="0" err="1">
+                <a:latin typeface="Courier New" panose="02070309020205020404" pitchFamily="49" charset="0"/>
+                <a:cs typeface="Courier New" panose="02070309020205020404" pitchFamily="49" charset="0"/>
+              </a:rPr>
+              <a:t>po.p_date</a:t>
+            </a:r>
+            <a:endParaRPr lang="en-US" sz="1050" dirty="0">
+              <a:latin typeface="Courier New" panose="02070309020205020404" pitchFamily="49" charset="0"/>
+              <a:cs typeface="Courier New" panose="02070309020205020404" pitchFamily="49" charset="0"/>
+            </a:endParaRPr>
+          </a:p>
+          <a:p>
+            <a:r>
+              <a:rPr lang="en-US" sz="1050" dirty="0">
+                <a:latin typeface="Courier New" panose="02070309020205020404" pitchFamily="49" charset="0"/>
+                <a:cs typeface="Courier New" panose="02070309020205020404" pitchFamily="49" charset="0"/>
+              </a:rPr>
+              <a:t>    )),'99990,99') AS "</a:t>
+            </a:r>
+            <a:r>
+              <a:rPr lang="ru-RU" sz="1050" dirty="0">
+                <a:latin typeface="Courier New" panose="02070309020205020404" pitchFamily="49" charset="0"/>
+                <a:cs typeface="Courier New" panose="02070309020205020404" pitchFamily="49" charset="0"/>
+              </a:rPr>
+              <a:t>ОСТАТОК ЗАДОЛЖЕННОСТИ"</a:t>
+            </a:r>
+          </a:p>
+          <a:p>
+            <a:r>
+              <a:rPr lang="ru-RU" sz="1050" dirty="0" smtClean="0">
+                <a:latin typeface="Courier New" panose="02070309020205020404" pitchFamily="49" charset="0"/>
+                <a:cs typeface="Courier New" panose="02070309020205020404" pitchFamily="49" charset="0"/>
+              </a:rPr>
+              <a:t>    </a:t>
+            </a:r>
+            <a:r>
+              <a:rPr lang="en-US" sz="1050" dirty="0">
+                <a:latin typeface="Courier New" panose="02070309020205020404" pitchFamily="49" charset="0"/>
+                <a:cs typeface="Courier New" panose="02070309020205020404" pitchFamily="49" charset="0"/>
+              </a:rPr>
+              <a:t>FROM c##</a:t>
+            </a:r>
+            <a:r>
+              <a:rPr lang="en-US" sz="1050" dirty="0" err="1">
+                <a:latin typeface="Courier New" panose="02070309020205020404" pitchFamily="49" charset="0"/>
+                <a:cs typeface="Courier New" panose="02070309020205020404" pitchFamily="49" charset="0"/>
+              </a:rPr>
+              <a:t>course.plan_oper</a:t>
+            </a:r>
+            <a:r>
+              <a:rPr lang="en-US" sz="1050" dirty="0">
+                <a:latin typeface="Courier New" panose="02070309020205020404" pitchFamily="49" charset="0"/>
+                <a:cs typeface="Courier New" panose="02070309020205020404" pitchFamily="49" charset="0"/>
+              </a:rPr>
+              <a:t> </a:t>
+            </a:r>
+            <a:r>
+              <a:rPr lang="en-US" sz="1050" dirty="0" err="1">
+                <a:latin typeface="Courier New" panose="02070309020205020404" pitchFamily="49" charset="0"/>
+                <a:cs typeface="Courier New" panose="02070309020205020404" pitchFamily="49" charset="0"/>
+              </a:rPr>
+              <a:t>po</a:t>
+            </a:r>
+            <a:endParaRPr lang="en-US" sz="1050" dirty="0">
+              <a:latin typeface="Courier New" panose="02070309020205020404" pitchFamily="49" charset="0"/>
+              <a:cs typeface="Courier New" panose="02070309020205020404" pitchFamily="49" charset="0"/>
+            </a:endParaRPr>
+          </a:p>
+          <a:p>
+            <a:r>
+              <a:rPr lang="en-US" sz="1050" dirty="0" smtClean="0">
+                <a:latin typeface="Courier New" panose="02070309020205020404" pitchFamily="49" charset="0"/>
+                <a:cs typeface="Courier New" panose="02070309020205020404" pitchFamily="49" charset="0"/>
+              </a:rPr>
+              <a:t>    </a:t>
+            </a:r>
+            <a:r>
+              <a:rPr lang="en-US" sz="1050" dirty="0">
+                <a:latin typeface="Courier New" panose="02070309020205020404" pitchFamily="49" charset="0"/>
+                <a:cs typeface="Courier New" panose="02070309020205020404" pitchFamily="49" charset="0"/>
+              </a:rPr>
+              <a:t>WHERE </a:t>
+            </a:r>
+          </a:p>
+          <a:p>
+            <a:r>
+              <a:rPr lang="en-US" sz="1050" dirty="0">
+                <a:latin typeface="Courier New" panose="02070309020205020404" pitchFamily="49" charset="0"/>
+                <a:cs typeface="Courier New" panose="02070309020205020404" pitchFamily="49" charset="0"/>
+              </a:rPr>
+              <a:t>        </a:t>
+            </a:r>
+            <a:r>
+              <a:rPr lang="en-US" sz="1050" dirty="0" err="1">
+                <a:latin typeface="Courier New" panose="02070309020205020404" pitchFamily="49" charset="0"/>
+                <a:cs typeface="Courier New" panose="02070309020205020404" pitchFamily="49" charset="0"/>
+              </a:rPr>
+              <a:t>collection_id</a:t>
+            </a:r>
+            <a:r>
+              <a:rPr lang="en-US" sz="1050" dirty="0">
+                <a:latin typeface="Courier New" panose="02070309020205020404" pitchFamily="49" charset="0"/>
+                <a:cs typeface="Courier New" panose="02070309020205020404" pitchFamily="49" charset="0"/>
+              </a:rPr>
+              <a:t> = (SELECT MAX(</a:t>
+            </a:r>
+            <a:r>
+              <a:rPr lang="en-US" sz="1050" dirty="0" err="1">
+                <a:latin typeface="Courier New" panose="02070309020205020404" pitchFamily="49" charset="0"/>
+                <a:cs typeface="Courier New" panose="02070309020205020404" pitchFamily="49" charset="0"/>
+              </a:rPr>
+              <a:t>collect_plan</a:t>
+            </a:r>
+            <a:r>
+              <a:rPr lang="en-US" sz="1050" dirty="0">
+                <a:latin typeface="Courier New" panose="02070309020205020404" pitchFamily="49" charset="0"/>
+                <a:cs typeface="Courier New" panose="02070309020205020404" pitchFamily="49" charset="0"/>
+              </a:rPr>
+              <a:t>) FROM </a:t>
+            </a:r>
+            <a:r>
+              <a:rPr lang="en-US" sz="1050" dirty="0" err="1">
+                <a:latin typeface="Courier New" panose="02070309020205020404" pitchFamily="49" charset="0"/>
+                <a:cs typeface="Courier New" panose="02070309020205020404" pitchFamily="49" charset="0"/>
+              </a:rPr>
+              <a:t>pr_credit</a:t>
+            </a:r>
+            <a:r>
+              <a:rPr lang="en-US" sz="1050" dirty="0">
+                <a:latin typeface="Courier New" panose="02070309020205020404" pitchFamily="49" charset="0"/>
+                <a:cs typeface="Courier New" panose="02070309020205020404" pitchFamily="49" charset="0"/>
+              </a:rPr>
+              <a:t>)</a:t>
+            </a:r>
+          </a:p>
+          <a:p>
+            <a:r>
+              <a:rPr lang="en-US" sz="1050" dirty="0">
+                <a:latin typeface="Courier New" panose="02070309020205020404" pitchFamily="49" charset="0"/>
+                <a:cs typeface="Courier New" panose="02070309020205020404" pitchFamily="49" charset="0"/>
+              </a:rPr>
+              <a:t>        AND</a:t>
+            </a:r>
+          </a:p>
+          <a:p>
+            <a:r>
+              <a:rPr lang="en-US" sz="1050" dirty="0">
+                <a:latin typeface="Courier New" panose="02070309020205020404" pitchFamily="49" charset="0"/>
+                <a:cs typeface="Courier New" panose="02070309020205020404" pitchFamily="49" charset="0"/>
+              </a:rPr>
+              <a:t>        </a:t>
+            </a:r>
+            <a:r>
+              <a:rPr lang="en-US" sz="1050" dirty="0" err="1">
+                <a:latin typeface="Courier New" panose="02070309020205020404" pitchFamily="49" charset="0"/>
+                <a:cs typeface="Courier New" panose="02070309020205020404" pitchFamily="49" charset="0"/>
+              </a:rPr>
+              <a:t>type_oper</a:t>
+            </a:r>
+            <a:r>
+              <a:rPr lang="en-US" sz="1050" dirty="0">
+                <a:latin typeface="Courier New" panose="02070309020205020404" pitchFamily="49" charset="0"/>
+                <a:cs typeface="Courier New" panose="02070309020205020404" pitchFamily="49" charset="0"/>
+              </a:rPr>
+              <a:t> IN  ('</a:t>
+            </a:r>
+            <a:r>
+              <a:rPr lang="ru-RU" sz="1050" dirty="0">
+                <a:latin typeface="Courier New" panose="02070309020205020404" pitchFamily="49" charset="0"/>
+                <a:cs typeface="Courier New" panose="02070309020205020404" pitchFamily="49" charset="0"/>
+              </a:rPr>
+              <a:t>Погашение </a:t>
+            </a:r>
+            <a:r>
+              <a:rPr lang="ru-RU" sz="1050" dirty="0" err="1">
+                <a:latin typeface="Courier New" panose="02070309020205020404" pitchFamily="49" charset="0"/>
+                <a:cs typeface="Courier New" panose="02070309020205020404" pitchFamily="49" charset="0"/>
+              </a:rPr>
+              <a:t>процентов','Погашение</a:t>
+            </a:r>
+            <a:r>
+              <a:rPr lang="ru-RU" sz="1050" dirty="0">
+                <a:latin typeface="Courier New" panose="02070309020205020404" pitchFamily="49" charset="0"/>
+                <a:cs typeface="Courier New" panose="02070309020205020404" pitchFamily="49" charset="0"/>
+              </a:rPr>
+              <a:t> кредита')</a:t>
+            </a:r>
+          </a:p>
+          <a:p>
+            <a:r>
+              <a:rPr lang="ru-RU" sz="1050" dirty="0" smtClean="0">
+                <a:latin typeface="Courier New" panose="02070309020205020404" pitchFamily="49" charset="0"/>
+                <a:cs typeface="Courier New" panose="02070309020205020404" pitchFamily="49" charset="0"/>
+              </a:rPr>
+              <a:t>    </a:t>
+            </a:r>
+            <a:r>
+              <a:rPr lang="en-US" sz="1050" dirty="0">
+                <a:latin typeface="Courier New" panose="02070309020205020404" pitchFamily="49" charset="0"/>
+                <a:cs typeface="Courier New" panose="02070309020205020404" pitchFamily="49" charset="0"/>
+              </a:rPr>
+              <a:t>GROUP BY</a:t>
+            </a:r>
+          </a:p>
+          <a:p>
+            <a:r>
+              <a:rPr lang="en-US" sz="1050" dirty="0">
+                <a:latin typeface="Courier New" panose="02070309020205020404" pitchFamily="49" charset="0"/>
+                <a:cs typeface="Courier New" panose="02070309020205020404" pitchFamily="49" charset="0"/>
+              </a:rPr>
+              <a:t>         </a:t>
+            </a:r>
+            <a:r>
+              <a:rPr lang="en-US" sz="1050" dirty="0" err="1">
+                <a:latin typeface="Courier New" panose="02070309020205020404" pitchFamily="49" charset="0"/>
+                <a:cs typeface="Courier New" panose="02070309020205020404" pitchFamily="49" charset="0"/>
+              </a:rPr>
+              <a:t>collection_id</a:t>
+            </a:r>
+            <a:endParaRPr lang="en-US" sz="1050" dirty="0">
+              <a:latin typeface="Courier New" panose="02070309020205020404" pitchFamily="49" charset="0"/>
+              <a:cs typeface="Courier New" panose="02070309020205020404" pitchFamily="49" charset="0"/>
+            </a:endParaRPr>
+          </a:p>
+          <a:p>
+            <a:r>
+              <a:rPr lang="en-US" sz="1050" dirty="0">
+                <a:latin typeface="Courier New" panose="02070309020205020404" pitchFamily="49" charset="0"/>
+                <a:cs typeface="Courier New" panose="02070309020205020404" pitchFamily="49" charset="0"/>
+              </a:rPr>
+              <a:t>        ,</a:t>
+            </a:r>
+            <a:r>
+              <a:rPr lang="en-US" sz="1050" dirty="0" err="1">
+                <a:latin typeface="Courier New" panose="02070309020205020404" pitchFamily="49" charset="0"/>
+                <a:cs typeface="Courier New" panose="02070309020205020404" pitchFamily="49" charset="0"/>
+              </a:rPr>
+              <a:t>p_date</a:t>
+            </a:r>
+            <a:endParaRPr lang="en-US" sz="1050" dirty="0">
+              <a:latin typeface="Courier New" panose="02070309020205020404" pitchFamily="49" charset="0"/>
+              <a:cs typeface="Courier New" panose="02070309020205020404" pitchFamily="49" charset="0"/>
+            </a:endParaRPr>
+          </a:p>
+        </p:txBody>
+      </p:sp>
+      <p:sp>
+        <p:nvSpPr>
+          <p:cNvPr id="6" name="TextBox 5"/>
+          <p:cNvSpPr txBox="1"/>
+          <p:nvPr/>
+        </p:nvSpPr>
+        <p:spPr bwMode="auto">
+          <a:xfrm>
+            <a:off x="307850" y="6309320"/>
+            <a:ext cx="10657184" cy="461665"/>
+          </a:xfrm>
+          <a:prstGeom prst="rect">
+            <a:avLst/>
+          </a:prstGeom>
+          <a:noFill/>
+        </p:spPr>
+        <p:txBody>
+          <a:bodyPr wrap="square" rtlCol="0">
+            <a:spAutoFit/>
+          </a:bodyPr>
+          <a:lstStyle/>
+          <a:p>
+            <a:r>
+              <a:rPr lang="en-US" sz="1200" dirty="0" smtClean="0">
+                <a:solidFill>
+                  <a:schemeClr val="tx2">
+                    <a:lumMod val="60000"/>
+                    <a:lumOff val="40000"/>
+                  </a:schemeClr>
+                </a:solidFill>
+                <a:hlinkClick r:id="rId2"/>
+              </a:rPr>
+              <a:t>https://github.com/AndrSor/Course_PLSQL_SB/blob/main/Course%20Work/04.5.%D0%93%D1%80%D0%B0%D1%84%D0%B8%D0%BA%20%D0%BF%D0%BB%D0%B0%D1%82%D0%B5%D0%B6%D0%B5%D0%B9.sql</a:t>
+            </a:r>
+            <a:r>
+              <a:rPr lang="en-US" sz="1200" dirty="0" smtClean="0">
+                <a:solidFill>
+                  <a:schemeClr val="tx2">
+                    <a:lumMod val="60000"/>
+                    <a:lumOff val="40000"/>
+                  </a:schemeClr>
+                </a:solidFill>
+              </a:rPr>
+              <a:t> </a:t>
+            </a:r>
+            <a:endParaRPr lang="ru-RU" sz="1200" dirty="0">
+              <a:solidFill>
+                <a:schemeClr val="tx2">
+                  <a:lumMod val="60000"/>
+                  <a:lumOff val="40000"/>
+                </a:schemeClr>
+              </a:solidFill>
+            </a:endParaRPr>
+          </a:p>
+        </p:txBody>
+      </p:sp>
+      <p:sp>
+        <p:nvSpPr>
+          <p:cNvPr id="8" name="TextBox 7"/>
+          <p:cNvSpPr txBox="1"/>
+          <p:nvPr/>
+        </p:nvSpPr>
+        <p:spPr bwMode="auto">
+          <a:xfrm>
+            <a:off x="335360" y="5939988"/>
+            <a:ext cx="4608512" cy="369332"/>
+          </a:xfrm>
+          <a:prstGeom prst="rect">
+            <a:avLst/>
+          </a:prstGeom>
+          <a:noFill/>
+        </p:spPr>
+        <p:txBody>
+          <a:bodyPr wrap="square" rtlCol="0">
+            <a:spAutoFit/>
+          </a:bodyPr>
+          <a:lstStyle/>
+          <a:p>
+            <a:r>
+              <a:rPr lang="ru-RU" dirty="0" smtClean="0"/>
+              <a:t>Ссылка на код скри</a:t>
+            </a:r>
+            <a:r>
+              <a:rPr lang="ru-RU" dirty="0"/>
+              <a:t>п</a:t>
+            </a:r>
+            <a:r>
+              <a:rPr lang="ru-RU" dirty="0" smtClean="0"/>
+              <a:t>та:</a:t>
+            </a:r>
+            <a:endParaRPr lang="ru-RU" dirty="0"/>
+          </a:p>
+        </p:txBody>
+      </p:sp>
+    </p:spTree>
+    <p:extLst>
+      <p:ext uri="{BB962C8B-B14F-4D97-AF65-F5344CB8AC3E}">
+        <p14:creationId xmlns:p14="http://schemas.microsoft.com/office/powerpoint/2010/main" val="3980490563"/>
+      </p:ext>
+    </p:extLst>
+  </p:cSld>
+  <p:clrMapOvr>
+    <a:masterClrMapping/>
+  </p:clrMapOvr>
+  <p:timing>
+    <p:tnLst>
+      <p:par>
+        <p:cTn id="1" dur="indefinite" restart="never" nodeType="tmRoot"/>
+      </p:par>
+    </p:tnLst>
+  </p:timing>
+</p:sld>
+</file>
+
+<file path=ppt/slides/slide25.xml><?xml version="1.0" encoding="utf-8"?>
+<p:sld xmlns:a="http://schemas.openxmlformats.org/drawingml/2006/main" xmlns:r="http://schemas.openxmlformats.org/officeDocument/2006/relationships" xmlns:p="http://schemas.openxmlformats.org/presentationml/2006/main" showMasterPhAnim="0">
+  <p:cSld>
+    <p:spTree>
+      <p:nvGrpSpPr>
+        <p:cNvPr id="1" name=""/>
+        <p:cNvGrpSpPr/>
+        <p:nvPr/>
+      </p:nvGrpSpPr>
+      <p:grpSpPr bwMode="auto">
+        <a:xfrm>
+          <a:off x="0" y="0"/>
+          <a:ext cx="0" cy="0"/>
+          <a:chOff x="0" y="0"/>
+          <a:chExt cx="0" cy="0"/>
+        </a:xfrm>
+      </p:grpSpPr>
+      <p:sp>
+        <p:nvSpPr>
+          <p:cNvPr id="18" name="Title 7">
+            <a:extLst>
+              <a:ext uri="{FF2B5EF4-FFF2-40B4-BE49-F238E27FC236}">
+                <a16:creationId xmlns="" xmlns:a16="http://schemas.microsoft.com/office/drawing/2014/main" id="{E195DE7B-42F0-4CAA-AAB0-D33DB61C53CA}"/>
+              </a:ext>
+            </a:extLst>
+          </p:cNvPr>
+          <p:cNvSpPr>
+            <a:spLocks/>
+          </p:cNvSpPr>
+          <p:nvPr/>
+        </p:nvSpPr>
+        <p:spPr bwMode="auto">
+          <a:xfrm>
+            <a:off x="191344" y="285978"/>
+            <a:ext cx="12169352" cy="550734"/>
+          </a:xfrm>
+          <a:prstGeom prst="rect">
+            <a:avLst/>
+          </a:prstGeom>
+        </p:spPr>
+        <p:txBody>
+          <a:bodyPr lIns="0" tIns="0" rIns="0" bIns="0"/>
+          <a:lstStyle>
+            <a:lvl1pPr algn="l" defTabSz="914400">
+              <a:lnSpc>
+                <a:spcPct val="90000"/>
+              </a:lnSpc>
+              <a:spcBef>
+                <a:spcPts val="0"/>
+              </a:spcBef>
+              <a:buNone/>
+              <a:defRPr sz="4400" b="0" i="0">
+                <a:solidFill>
+                  <a:schemeClr val="tx1"/>
+                </a:solidFill>
+                <a:latin typeface="SB Sans Display Regular"/>
+                <a:ea typeface="+mj-ea"/>
+                <a:cs typeface="+mj-cs"/>
+              </a:defRPr>
+            </a:lvl1pPr>
+          </a:lstStyle>
+          <a:p>
+            <a:pPr>
+              <a:defRPr/>
+            </a:pPr>
+            <a:r>
+              <a:rPr lang="en-US" sz="3200" dirty="0">
+                <a:solidFill>
+                  <a:srgbClr val="333F48"/>
+                </a:solidFill>
+              </a:rPr>
+              <a:t>4</a:t>
+            </a:r>
+            <a:r>
+              <a:rPr lang="ru-RU" sz="3200" dirty="0" smtClean="0">
+                <a:solidFill>
+                  <a:srgbClr val="333F48"/>
+                </a:solidFill>
+              </a:rPr>
+              <a:t>. </a:t>
+            </a:r>
+            <a:r>
+              <a:rPr lang="ru-RU" sz="3200" dirty="0" smtClean="0">
+                <a:solidFill>
+                  <a:srgbClr val="333F48"/>
+                </a:solidFill>
+              </a:rPr>
+              <a:t>График платежей для клиента</a:t>
+            </a:r>
+            <a:endParaRPr lang="ru-RU" sz="1200" dirty="0"/>
+          </a:p>
+          <a:p>
+            <a:pPr>
+              <a:defRPr/>
+            </a:pPr>
+            <a:r>
+              <a:rPr lang="ru-RU" sz="3200" dirty="0" smtClean="0">
+                <a:solidFill>
+                  <a:srgbClr val="333F48"/>
+                </a:solidFill>
+              </a:rPr>
+              <a:t> </a:t>
+            </a:r>
+            <a:endParaRPr lang="ru-RU" sz="1200" dirty="0"/>
+          </a:p>
+        </p:txBody>
+      </p:sp>
+      <p:sp>
+        <p:nvSpPr>
+          <p:cNvPr id="5" name="TextBox 4"/>
+          <p:cNvSpPr txBox="1"/>
+          <p:nvPr/>
+        </p:nvSpPr>
+        <p:spPr>
+          <a:xfrm>
+            <a:off x="5879976" y="614491"/>
+            <a:ext cx="6120680" cy="507831"/>
+          </a:xfrm>
+          <a:prstGeom prst="rect">
+            <a:avLst/>
+          </a:prstGeom>
+          <a:noFill/>
+        </p:spPr>
+        <p:txBody>
+          <a:bodyPr wrap="square" rtlCol="0">
+            <a:spAutoFit/>
+          </a:bodyPr>
+          <a:lstStyle/>
+          <a:p>
+            <a:r>
+              <a:rPr lang="en-US" sz="900" dirty="0"/>
+              <a:t> </a:t>
+            </a:r>
+          </a:p>
+          <a:p>
+            <a:endParaRPr lang="en-US" sz="900" dirty="0"/>
+          </a:p>
+          <a:p>
+            <a:r>
+              <a:rPr lang="en-US" sz="900" dirty="0" smtClean="0"/>
+              <a:t>   </a:t>
+            </a:r>
+            <a:endParaRPr lang="ru-RU" sz="900" dirty="0"/>
+          </a:p>
+        </p:txBody>
+      </p:sp>
+      <p:pic>
+        <p:nvPicPr>
+          <p:cNvPr id="3" name="Рисунок 2"/>
+          <p:cNvPicPr>
+            <a:picLocks noChangeAspect="1"/>
+          </p:cNvPicPr>
+          <p:nvPr/>
+        </p:nvPicPr>
+        <p:blipFill>
+          <a:blip r:embed="rId2"/>
+          <a:stretch>
+            <a:fillRect/>
+          </a:stretch>
+        </p:blipFill>
+        <p:spPr>
+          <a:xfrm>
+            <a:off x="479376" y="1168260"/>
+            <a:ext cx="11143271" cy="3436590"/>
+          </a:xfrm>
+          <a:prstGeom prst="rect">
+            <a:avLst/>
+          </a:prstGeom>
+        </p:spPr>
+      </p:pic>
+    </p:spTree>
+    <p:extLst>
+      <p:ext uri="{BB962C8B-B14F-4D97-AF65-F5344CB8AC3E}">
+        <p14:creationId xmlns:p14="http://schemas.microsoft.com/office/powerpoint/2010/main" val="3641943100"/>
+      </p:ext>
+    </p:extLst>
+  </p:cSld>
+  <p:clrMapOvr>
+    <a:masterClrMapping/>
+  </p:clrMapOvr>
+  <p:timing>
+    <p:tnLst>
+      <p:par>
+        <p:cTn id="1" dur="indefinite" restart="never" nodeType="tmRoot"/>
+      </p:par>
+    </p:tnLst>
+  </p:timing>
+</p:sld>
+</file>
+
+<file path=ppt/slides/slide26.xml><?xml version="1.0" encoding="utf-8"?>
+<p:sld xmlns:a="http://schemas.openxmlformats.org/drawingml/2006/main" xmlns:r="http://schemas.openxmlformats.org/officeDocument/2006/relationships" xmlns:p="http://schemas.openxmlformats.org/presentationml/2006/main" showMasterPhAnim="0">
+  <p:cSld>
+    <p:spTree>
+      <p:nvGrpSpPr>
+        <p:cNvPr id="1" name=""/>
+        <p:cNvGrpSpPr/>
+        <p:nvPr/>
+      </p:nvGrpSpPr>
+      <p:grpSpPr bwMode="auto">
+        <a:xfrm>
+          <a:off x="0" y="0"/>
+          <a:ext cx="0" cy="0"/>
+          <a:chOff x="0" y="0"/>
+          <a:chExt cx="0" cy="0"/>
+        </a:xfrm>
+      </p:grpSpPr>
+      <p:sp>
+        <p:nvSpPr>
           <p:cNvPr id="4" name="Заголовок 4"/>
           <p:cNvSpPr>
             <a:spLocks/>
@@ -21815,7 +23017,7 @@
           <p:cNvPr id="26" name="Text Placeholder 6">
             <a:extLst>
               <a:ext uri="{FF2B5EF4-FFF2-40B4-BE49-F238E27FC236}">
-                <a16:creationId xmlns:a16="http://schemas.microsoft.com/office/drawing/2014/main" xmlns="" id="{ADFA65C8-DB2C-4270-845A-546993EAE8E4}"/>
+                <a16:creationId xmlns="" xmlns:a16="http://schemas.microsoft.com/office/drawing/2014/main" id="{ADFA65C8-DB2C-4270-845A-546993EAE8E4}"/>
               </a:ext>
             </a:extLst>
           </p:cNvPr>
@@ -22026,7 +23228,7 @@
           <p:cNvPr id="27" name="object 26">
             <a:extLst>
               <a:ext uri="{FF2B5EF4-FFF2-40B4-BE49-F238E27FC236}">
-                <a16:creationId xmlns:a16="http://schemas.microsoft.com/office/drawing/2014/main" xmlns="" id="{DD5C6CE0-87F9-47EA-BC0C-34E221B343F1}"/>
+                <a16:creationId xmlns="" xmlns:a16="http://schemas.microsoft.com/office/drawing/2014/main" id="{DD5C6CE0-87F9-47EA-BC0C-34E221B343F1}"/>
               </a:ext>
             </a:extLst>
           </p:cNvPr>
@@ -22062,7 +23264,7 @@
           <p:cNvPr id="29" name="Овал 32">
             <a:extLst>
               <a:ext uri="{FF2B5EF4-FFF2-40B4-BE49-F238E27FC236}">
-                <a16:creationId xmlns:a16="http://schemas.microsoft.com/office/drawing/2014/main" xmlns="" id="{6686EE33-C339-4BAF-B603-2EA81CB3B361}"/>
+                <a16:creationId xmlns="" xmlns:a16="http://schemas.microsoft.com/office/drawing/2014/main" id="{6686EE33-C339-4BAF-B603-2EA81CB3B361}"/>
               </a:ext>
             </a:extLst>
           </p:cNvPr>
@@ -22118,7 +23320,7 @@
           <p:cNvPr id="30" name="Text Placeholder 6">
             <a:extLst>
               <a:ext uri="{FF2B5EF4-FFF2-40B4-BE49-F238E27FC236}">
-                <a16:creationId xmlns:a16="http://schemas.microsoft.com/office/drawing/2014/main" xmlns="" id="{551FBEEF-6CFE-4D83-B064-2FD2F5AE8315}"/>
+                <a16:creationId xmlns="" xmlns:a16="http://schemas.microsoft.com/office/drawing/2014/main" id="{551FBEEF-6CFE-4D83-B064-2FD2F5AE8315}"/>
               </a:ext>
             </a:extLst>
           </p:cNvPr>
@@ -22329,7 +23531,7 @@
           <p:cNvPr id="31" name="object 26">
             <a:extLst>
               <a:ext uri="{FF2B5EF4-FFF2-40B4-BE49-F238E27FC236}">
-                <a16:creationId xmlns:a16="http://schemas.microsoft.com/office/drawing/2014/main" xmlns="" id="{E0D4687E-F657-40E8-9748-B026E6622E09}"/>
+                <a16:creationId xmlns="" xmlns:a16="http://schemas.microsoft.com/office/drawing/2014/main" id="{E0D4687E-F657-40E8-9748-B026E6622E09}"/>
               </a:ext>
             </a:extLst>
           </p:cNvPr>
@@ -22434,7 +23636,7 @@
           <p:cNvPr id="32" name="Овал 32">
             <a:extLst>
               <a:ext uri="{FF2B5EF4-FFF2-40B4-BE49-F238E27FC236}">
-                <a16:creationId xmlns:a16="http://schemas.microsoft.com/office/drawing/2014/main" xmlns="" id="{AF9F00E1-44FD-4D73-A055-5AEA46ECC510}"/>
+                <a16:creationId xmlns="" xmlns:a16="http://schemas.microsoft.com/office/drawing/2014/main" id="{AF9F00E1-44FD-4D73-A055-5AEA46ECC510}"/>
               </a:ext>
             </a:extLst>
           </p:cNvPr>
@@ -22490,7 +23692,7 @@
           <p:cNvPr id="35" name="Text Placeholder 6">
             <a:extLst>
               <a:ext uri="{FF2B5EF4-FFF2-40B4-BE49-F238E27FC236}">
-                <a16:creationId xmlns:a16="http://schemas.microsoft.com/office/drawing/2014/main" xmlns="" id="{73F05052-6FAE-4644-8A21-B5ED91519995}"/>
+                <a16:creationId xmlns="" xmlns:a16="http://schemas.microsoft.com/office/drawing/2014/main" id="{73F05052-6FAE-4644-8A21-B5ED91519995}"/>
               </a:ext>
             </a:extLst>
           </p:cNvPr>
@@ -22700,7 +23902,7 @@
           <p:cNvPr id="36" name="object 26">
             <a:extLst>
               <a:ext uri="{FF2B5EF4-FFF2-40B4-BE49-F238E27FC236}">
-                <a16:creationId xmlns:a16="http://schemas.microsoft.com/office/drawing/2014/main" xmlns="" id="{45041879-81CE-4E4B-99CC-0F987E10D7B8}"/>
+                <a16:creationId xmlns="" xmlns:a16="http://schemas.microsoft.com/office/drawing/2014/main" id="{45041879-81CE-4E4B-99CC-0F987E10D7B8}"/>
               </a:ext>
             </a:extLst>
           </p:cNvPr>
@@ -22840,7 +24042,7 @@
           <p:cNvPr id="37" name="Овал 32">
             <a:extLst>
               <a:ext uri="{FF2B5EF4-FFF2-40B4-BE49-F238E27FC236}">
-                <a16:creationId xmlns:a16="http://schemas.microsoft.com/office/drawing/2014/main" xmlns="" id="{C01C9148-F585-40ED-A7B6-F169D2540C0B}"/>
+                <a16:creationId xmlns="" xmlns:a16="http://schemas.microsoft.com/office/drawing/2014/main" id="{C01C9148-F585-40ED-A7B6-F169D2540C0B}"/>
               </a:ext>
             </a:extLst>
           </p:cNvPr>
@@ -22933,7 +24135,7 @@
           <p:cNvPr id="47" name="object 2">
             <a:extLst>
               <a:ext uri="{FF2B5EF4-FFF2-40B4-BE49-F238E27FC236}">
-                <a16:creationId xmlns:a16="http://schemas.microsoft.com/office/drawing/2014/main" xmlns="" id="{848A309A-4C3E-4A71-A079-FF47B7F9A226}"/>
+                <a16:creationId xmlns="" xmlns:a16="http://schemas.microsoft.com/office/drawing/2014/main" id="{848A309A-4C3E-4A71-A079-FF47B7F9A226}"/>
               </a:ext>
             </a:extLst>
           </p:cNvPr>
@@ -22970,7 +24172,7 @@
           <p:cNvPr id="18" name="Title 7">
             <a:extLst>
               <a:ext uri="{FF2B5EF4-FFF2-40B4-BE49-F238E27FC236}">
-                <a16:creationId xmlns:a16="http://schemas.microsoft.com/office/drawing/2014/main" xmlns="" id="{E195DE7B-42F0-4CAA-AAB0-D33DB61C53CA}"/>
+                <a16:creationId xmlns="" xmlns:a16="http://schemas.microsoft.com/office/drawing/2014/main" id="{E195DE7B-42F0-4CAA-AAB0-D33DB61C53CA}"/>
               </a:ext>
             </a:extLst>
           </p:cNvPr>
@@ -23030,7 +24232,7 @@
           <p:cNvPr id="41" name="object 4">
             <a:extLst>
               <a:ext uri="{FF2B5EF4-FFF2-40B4-BE49-F238E27FC236}">
-                <a16:creationId xmlns:a16="http://schemas.microsoft.com/office/drawing/2014/main" xmlns="" id="{0185576A-0A39-4C7A-B15A-6776F7BBF1ED}"/>
+                <a16:creationId xmlns="" xmlns:a16="http://schemas.microsoft.com/office/drawing/2014/main" id="{0185576A-0A39-4C7A-B15A-6776F7BBF1ED}"/>
               </a:ext>
             </a:extLst>
           </p:cNvPr>
@@ -23223,7 +24425,7 @@
           <p:cNvPr id="48" name="object 4">
             <a:extLst>
               <a:ext uri="{FF2B5EF4-FFF2-40B4-BE49-F238E27FC236}">
-                <a16:creationId xmlns:a16="http://schemas.microsoft.com/office/drawing/2014/main" xmlns="" id="{6D9B929B-4B69-43A2-88BA-CA66983BAB05}"/>
+                <a16:creationId xmlns="" xmlns:a16="http://schemas.microsoft.com/office/drawing/2014/main" id="{6D9B929B-4B69-43A2-88BA-CA66983BAB05}"/>
               </a:ext>
             </a:extLst>
           </p:cNvPr>
@@ -23416,7 +24618,7 @@
           <p:cNvPr id="49" name="object 26">
             <a:extLst>
               <a:ext uri="{FF2B5EF4-FFF2-40B4-BE49-F238E27FC236}">
-                <a16:creationId xmlns:a16="http://schemas.microsoft.com/office/drawing/2014/main" xmlns="" id="{41E6CF51-7C08-4948-BE8D-3AC2595CA00D}"/>
+                <a16:creationId xmlns="" xmlns:a16="http://schemas.microsoft.com/office/drawing/2014/main" id="{41E6CF51-7C08-4948-BE8D-3AC2595CA00D}"/>
               </a:ext>
             </a:extLst>
           </p:cNvPr>
@@ -23482,7 +24684,7 @@
           <p:cNvPr id="50" name="object 26">
             <a:extLst>
               <a:ext uri="{FF2B5EF4-FFF2-40B4-BE49-F238E27FC236}">
-                <a16:creationId xmlns:a16="http://schemas.microsoft.com/office/drawing/2014/main" xmlns="" id="{39F18E2F-64B0-46B3-BFCE-A498DAD536BA}"/>
+                <a16:creationId xmlns="" xmlns:a16="http://schemas.microsoft.com/office/drawing/2014/main" id="{39F18E2F-64B0-46B3-BFCE-A498DAD536BA}"/>
               </a:ext>
             </a:extLst>
           </p:cNvPr>
@@ -23555,7 +24757,7 @@
           <p:cNvPr id="51" name="object 26">
             <a:extLst>
               <a:ext uri="{FF2B5EF4-FFF2-40B4-BE49-F238E27FC236}">
-                <a16:creationId xmlns:a16="http://schemas.microsoft.com/office/drawing/2014/main" xmlns="" id="{BA040D41-001F-4A17-9C83-14A15BEB559D}"/>
+                <a16:creationId xmlns="" xmlns:a16="http://schemas.microsoft.com/office/drawing/2014/main" id="{BA040D41-001F-4A17-9C83-14A15BEB559D}"/>
               </a:ext>
             </a:extLst>
           </p:cNvPr>
@@ -23621,7 +24823,7 @@
           <p:cNvPr id="52" name="object 26">
             <a:extLst>
               <a:ext uri="{FF2B5EF4-FFF2-40B4-BE49-F238E27FC236}">
-                <a16:creationId xmlns:a16="http://schemas.microsoft.com/office/drawing/2014/main" xmlns="" id="{6F3D47F9-FCB5-402A-B391-B395C9BDBB9D}"/>
+                <a16:creationId xmlns="" xmlns:a16="http://schemas.microsoft.com/office/drawing/2014/main" id="{6F3D47F9-FCB5-402A-B391-B395C9BDBB9D}"/>
               </a:ext>
             </a:extLst>
           </p:cNvPr>
@@ -23673,7 +24875,7 @@
           <p:cNvPr id="53" name="TextBox 35">
             <a:extLst>
               <a:ext uri="{FF2B5EF4-FFF2-40B4-BE49-F238E27FC236}">
-                <a16:creationId xmlns:a16="http://schemas.microsoft.com/office/drawing/2014/main" xmlns="" id="{86212FD8-B651-405D-8E12-CCCEB501EED8}"/>
+                <a16:creationId xmlns="" xmlns:a16="http://schemas.microsoft.com/office/drawing/2014/main" id="{86212FD8-B651-405D-8E12-CCCEB501EED8}"/>
               </a:ext>
             </a:extLst>
           </p:cNvPr>
@@ -23754,7 +24956,7 @@
           <p:cNvPr id="54" name="TextBox 36">
             <a:extLst>
               <a:ext uri="{FF2B5EF4-FFF2-40B4-BE49-F238E27FC236}">
-                <a16:creationId xmlns:a16="http://schemas.microsoft.com/office/drawing/2014/main" xmlns="" id="{8AEFDD10-4264-48BB-81BB-E120AE25E70D}"/>
+                <a16:creationId xmlns="" xmlns:a16="http://schemas.microsoft.com/office/drawing/2014/main" id="{8AEFDD10-4264-48BB-81BB-E120AE25E70D}"/>
               </a:ext>
             </a:extLst>
           </p:cNvPr>
@@ -23835,7 +25037,7 @@
           <p:cNvPr id="55" name="TextBox 37">
             <a:extLst>
               <a:ext uri="{FF2B5EF4-FFF2-40B4-BE49-F238E27FC236}">
-                <a16:creationId xmlns:a16="http://schemas.microsoft.com/office/drawing/2014/main" xmlns="" id="{AEF7DEB2-AEE3-41E1-A70D-1D1546A77172}"/>
+                <a16:creationId xmlns="" xmlns:a16="http://schemas.microsoft.com/office/drawing/2014/main" id="{AEF7DEB2-AEE3-41E1-A70D-1D1546A77172}"/>
               </a:ext>
             </a:extLst>
           </p:cNvPr>
@@ -23916,7 +25118,7 @@
           <p:cNvPr id="56" name="TextBox 38">
             <a:extLst>
               <a:ext uri="{FF2B5EF4-FFF2-40B4-BE49-F238E27FC236}">
-                <a16:creationId xmlns:a16="http://schemas.microsoft.com/office/drawing/2014/main" xmlns="" id="{203EE7E6-7D12-40D9-AD45-3AB16EDB4EC8}"/>
+                <a16:creationId xmlns="" xmlns:a16="http://schemas.microsoft.com/office/drawing/2014/main" id="{203EE7E6-7D12-40D9-AD45-3AB16EDB4EC8}"/>
               </a:ext>
             </a:extLst>
           </p:cNvPr>
@@ -23997,7 +25199,7 @@
           <p:cNvPr id="57" name="Рисунок 56">
             <a:extLst>
               <a:ext uri="{FF2B5EF4-FFF2-40B4-BE49-F238E27FC236}">
-                <a16:creationId xmlns:a16="http://schemas.microsoft.com/office/drawing/2014/main" xmlns="" id="{ACBA108A-C7F6-499D-BB64-F455B9BEF036}"/>
+                <a16:creationId xmlns="" xmlns:a16="http://schemas.microsoft.com/office/drawing/2014/main" id="{ACBA108A-C7F6-499D-BB64-F455B9BEF036}"/>
               </a:ext>
             </a:extLst>
           </p:cNvPr>
@@ -24026,7 +25228,7 @@
           <p:cNvPr id="58" name="TextBox 57">
             <a:extLst>
               <a:ext uri="{FF2B5EF4-FFF2-40B4-BE49-F238E27FC236}">
-                <a16:creationId xmlns:a16="http://schemas.microsoft.com/office/drawing/2014/main" xmlns="" id="{7239046A-E6F0-43E6-B176-08CC1BBF49E0}"/>
+                <a16:creationId xmlns="" xmlns:a16="http://schemas.microsoft.com/office/drawing/2014/main" id="{7239046A-E6F0-43E6-B176-08CC1BBF49E0}"/>
               </a:ext>
             </a:extLst>
           </p:cNvPr>
@@ -24102,7 +25304,7 @@
           <p:cNvPr id="61" name="Рисунок 33">
             <a:extLst>
               <a:ext uri="{FF2B5EF4-FFF2-40B4-BE49-F238E27FC236}">
-                <a16:creationId xmlns:a16="http://schemas.microsoft.com/office/drawing/2014/main" xmlns="" id="{03F0A934-8727-4150-AD5E-F9F80D3C5646}"/>
+                <a16:creationId xmlns="" xmlns:a16="http://schemas.microsoft.com/office/drawing/2014/main" id="{03F0A934-8727-4150-AD5E-F9F80D3C5646}"/>
               </a:ext>
             </a:extLst>
           </p:cNvPr>
@@ -24131,7 +25333,7 @@
           <p:cNvPr id="62" name="TextBox 61">
             <a:extLst>
               <a:ext uri="{FF2B5EF4-FFF2-40B4-BE49-F238E27FC236}">
-                <a16:creationId xmlns:a16="http://schemas.microsoft.com/office/drawing/2014/main" xmlns="" id="{CCB2FA9B-B787-4EA3-9CBB-8AD4574C261C}"/>
+                <a16:creationId xmlns="" xmlns:a16="http://schemas.microsoft.com/office/drawing/2014/main" id="{CCB2FA9B-B787-4EA3-9CBB-8AD4574C261C}"/>
               </a:ext>
             </a:extLst>
           </p:cNvPr>
@@ -24204,7 +25406,7 @@
           <p:cNvPr id="18" name="Title 7">
             <a:extLst>
               <a:ext uri="{FF2B5EF4-FFF2-40B4-BE49-F238E27FC236}">
-                <a16:creationId xmlns:a16="http://schemas.microsoft.com/office/drawing/2014/main" xmlns="" id="{E195DE7B-42F0-4CAA-AAB0-D33DB61C53CA}"/>
+                <a16:creationId xmlns="" xmlns:a16="http://schemas.microsoft.com/office/drawing/2014/main" id="{E195DE7B-42F0-4CAA-AAB0-D33DB61C53CA}"/>
               </a:ext>
             </a:extLst>
           </p:cNvPr>
@@ -24682,7 +25884,7 @@
           <p:cNvPr id="18" name="Title 7">
             <a:extLst>
               <a:ext uri="{FF2B5EF4-FFF2-40B4-BE49-F238E27FC236}">
-                <a16:creationId xmlns:a16="http://schemas.microsoft.com/office/drawing/2014/main" xmlns="" id="{E195DE7B-42F0-4CAA-AAB0-D33DB61C53CA}"/>
+                <a16:creationId xmlns="" xmlns:a16="http://schemas.microsoft.com/office/drawing/2014/main" id="{E195DE7B-42F0-4CAA-AAB0-D33DB61C53CA}"/>
               </a:ext>
             </a:extLst>
           </p:cNvPr>
@@ -25148,7 +26350,7 @@
           <p:cNvPr id="18" name="Title 7">
             <a:extLst>
               <a:ext uri="{FF2B5EF4-FFF2-40B4-BE49-F238E27FC236}">
-                <a16:creationId xmlns:a16="http://schemas.microsoft.com/office/drawing/2014/main" xmlns="" id="{E195DE7B-42F0-4CAA-AAB0-D33DB61C53CA}"/>
+                <a16:creationId xmlns="" xmlns:a16="http://schemas.microsoft.com/office/drawing/2014/main" id="{E195DE7B-42F0-4CAA-AAB0-D33DB61C53CA}"/>
               </a:ext>
             </a:extLst>
           </p:cNvPr>
@@ -26437,7 +27639,7 @@
           <p:cNvPr id="18" name="Title 7">
             <a:extLst>
               <a:ext uri="{FF2B5EF4-FFF2-40B4-BE49-F238E27FC236}">
-                <a16:creationId xmlns:a16="http://schemas.microsoft.com/office/drawing/2014/main" xmlns="" id="{E195DE7B-42F0-4CAA-AAB0-D33DB61C53CA}"/>
+                <a16:creationId xmlns="" xmlns:a16="http://schemas.microsoft.com/office/drawing/2014/main" id="{E195DE7B-42F0-4CAA-AAB0-D33DB61C53CA}"/>
               </a:ext>
             </a:extLst>
           </p:cNvPr>
@@ -27731,7 +28933,7 @@
           <p:cNvPr id="18" name="Title 7">
             <a:extLst>
               <a:ext uri="{FF2B5EF4-FFF2-40B4-BE49-F238E27FC236}">
-                <a16:creationId xmlns:a16="http://schemas.microsoft.com/office/drawing/2014/main" xmlns="" id="{E195DE7B-42F0-4CAA-AAB0-D33DB61C53CA}"/>
+                <a16:creationId xmlns="" xmlns:a16="http://schemas.microsoft.com/office/drawing/2014/main" id="{E195DE7B-42F0-4CAA-AAB0-D33DB61C53CA}"/>
               </a:ext>
             </a:extLst>
           </p:cNvPr>
